--- a/Pole elektryczne wokół naładowanego koła2.pptx
+++ b/Pole elektryczne wokół naładowanego koła2.pptx
@@ -2090,7 +2090,7 @@
         </p:nvSpPr>
         <p:spPr>
           <a:xfrm>
-            <a:off x="381300" y="685800"/>
+            <a:off x="381000" y="685800"/>
             <a:ext cx="6096000" cy="3429000"/>
           </a:xfrm>
           <a:custGeom>
@@ -7751,7 +7751,12 @@
             <p:ph type="title"/>
           </p:nvPr>
         </p:nvSpPr>
-        <p:spPr/>
+        <p:spPr>
+          <a:xfrm>
+            <a:off x="311700" y="288275"/>
+            <a:ext cx="8520600" cy="572700"/>
+          </a:xfrm>
+        </p:spPr>
         <p:txBody>
           <a:bodyPr>
             <a:normAutofit fontScale="90000"/>
@@ -7784,7 +7789,7 @@
         </p:nvSpPr>
         <p:spPr>
           <a:xfrm>
-            <a:off x="311700" y="1152475"/>
+            <a:off x="226242" y="930925"/>
             <a:ext cx="4371395" cy="3416400"/>
           </a:xfrm>
         </p:spPr>
@@ -7905,8 +7910,8 @@
         </p:nvSpPr>
         <p:spPr>
           <a:xfrm>
-            <a:off x="311700" y="267269"/>
-            <a:ext cx="8520600" cy="1158600"/>
+            <a:off x="275850" y="325038"/>
+            <a:ext cx="8520600" cy="1058806"/>
           </a:xfrm>
           <a:prstGeom prst="rect">
             <a:avLst/>
@@ -7914,7 +7919,7 @@
         </p:spPr>
         <p:txBody>
           <a:bodyPr spcFirstLastPara="1" wrap="square" lIns="91425" tIns="91425" rIns="91425" bIns="91425" anchor="t" anchorCtr="0">
-            <a:normAutofit/>
+            <a:normAutofit fontScale="92500" lnSpcReduction="10000"/>
           </a:bodyPr>
           <a:lstStyle/>
           <a:p>
@@ -7941,362 +7946,423 @@
               </a:solidFill>
             </a:endParaRPr>
           </a:p>
-          <a:p>
-            <a:pPr marL="0" lvl="0" indent="0" algn="l" rtl="0">
-              <a:spcBef>
-                <a:spcPts val="1200"/>
-              </a:spcBef>
-              <a:spcAft>
-                <a:spcPts val="1200"/>
-              </a:spcAft>
-              <a:buNone/>
-            </a:pPr>
-            <a:endParaRPr dirty="0">
-              <a:solidFill>
-                <a:srgbClr val="F3F3F3"/>
-              </a:solidFill>
-            </a:endParaRPr>
-          </a:p>
         </p:txBody>
       </p:sp>
-      <p:sp>
-        <p:nvSpPr>
-          <p:cNvPr id="73" name="Google Shape;73;p16"/>
-          <p:cNvSpPr txBox="1"/>
-          <p:nvPr/>
-        </p:nvSpPr>
-        <p:spPr>
-          <a:xfrm>
-            <a:off x="3354775" y="1368326"/>
-            <a:ext cx="807300" cy="508500"/>
-          </a:xfrm>
-          <a:prstGeom prst="rect">
-            <a:avLst/>
-          </a:prstGeom>
-          <a:noFill/>
-          <a:ln>
-            <a:noFill/>
-          </a:ln>
-        </p:spPr>
-        <p:txBody>
-          <a:bodyPr spcFirstLastPara="1" wrap="square" lIns="91425" tIns="91425" rIns="91425" bIns="91425" anchor="t" anchorCtr="0">
-            <a:noAutofit/>
-          </a:bodyPr>
-          <a:lstStyle/>
-          <a:p>
-            <a:pPr marL="0" lvl="0" indent="0" algn="l" rtl="0">
-              <a:spcBef>
-                <a:spcPts val="0"/>
-              </a:spcBef>
-              <a:spcAft>
-                <a:spcPts val="0"/>
-              </a:spcAft>
-              <a:buNone/>
-            </a:pPr>
-            <a:r>
-              <a:rPr lang="pl" sz="1800" dirty="0">
-                <a:solidFill>
-                  <a:srgbClr val="F3F3F3"/>
-                </a:solidFill>
-              </a:rPr>
-              <a:t>V(r) =</a:t>
-            </a:r>
-            <a:endParaRPr sz="1800" dirty="0">
-              <a:solidFill>
-                <a:srgbClr val="F3F3F3"/>
-              </a:solidFill>
-            </a:endParaRPr>
-          </a:p>
-        </p:txBody>
-      </p:sp>
-      <p:sp>
-        <p:nvSpPr>
-          <p:cNvPr id="74" name="Google Shape;74;p16"/>
-          <p:cNvSpPr txBox="1"/>
-          <p:nvPr/>
-        </p:nvSpPr>
-        <p:spPr>
-          <a:xfrm>
-            <a:off x="4411375" y="1511176"/>
-            <a:ext cx="325500" cy="398700"/>
-          </a:xfrm>
-          <a:prstGeom prst="rect">
-            <a:avLst/>
-          </a:prstGeom>
-          <a:noFill/>
-          <a:ln>
-            <a:noFill/>
-          </a:ln>
-        </p:spPr>
-        <p:txBody>
-          <a:bodyPr spcFirstLastPara="1" wrap="square" lIns="91425" tIns="91425" rIns="91425" bIns="91425" anchor="t" anchorCtr="0">
-            <a:noAutofit/>
-          </a:bodyPr>
-          <a:lstStyle/>
-          <a:p>
-            <a:pPr marL="0" lvl="0" indent="0" algn="l" rtl="0">
-              <a:spcBef>
-                <a:spcPts val="0"/>
-              </a:spcBef>
-              <a:spcAft>
-                <a:spcPts val="0"/>
-              </a:spcAft>
-              <a:buNone/>
-            </a:pPr>
-            <a:r>
-              <a:rPr lang="pl" sz="1800">
-                <a:solidFill>
-                  <a:srgbClr val="F3F3F3"/>
-                </a:solidFill>
-              </a:rPr>
-              <a:t>r</a:t>
-            </a:r>
-            <a:endParaRPr sz="1800">
-              <a:solidFill>
-                <a:srgbClr val="F3F3F3"/>
-              </a:solidFill>
-            </a:endParaRPr>
-          </a:p>
-        </p:txBody>
-      </p:sp>
-      <p:sp>
-        <p:nvSpPr>
-          <p:cNvPr id="75" name="Google Shape;75;p16"/>
-          <p:cNvSpPr txBox="1"/>
-          <p:nvPr/>
-        </p:nvSpPr>
-        <p:spPr>
-          <a:xfrm>
-            <a:off x="4321800" y="1183795"/>
-            <a:ext cx="500400" cy="461700"/>
-          </a:xfrm>
-          <a:prstGeom prst="rect">
-            <a:avLst/>
-          </a:prstGeom>
-          <a:noFill/>
-          <a:ln>
-            <a:noFill/>
-          </a:ln>
-        </p:spPr>
-        <p:txBody>
-          <a:bodyPr spcFirstLastPara="1" wrap="square" lIns="91425" tIns="91425" rIns="91425" bIns="91425" anchor="t" anchorCtr="0">
-            <a:spAutoFit/>
-          </a:bodyPr>
-          <a:lstStyle/>
-          <a:p>
-            <a:pPr marL="0" lvl="0" indent="0" algn="l" rtl="0">
-              <a:spcBef>
-                <a:spcPts val="0"/>
-              </a:spcBef>
-              <a:spcAft>
-                <a:spcPts val="0"/>
-              </a:spcAft>
-              <a:buNone/>
-            </a:pPr>
-            <a:r>
-              <a:rPr lang="pl" sz="1800">
-                <a:solidFill>
-                  <a:srgbClr val="F3F3F3"/>
-                </a:solidFill>
-              </a:rPr>
-              <a:t>kQ</a:t>
-            </a:r>
-            <a:endParaRPr/>
-          </a:p>
-        </p:txBody>
-      </p:sp>
-      <p:cxnSp>
-        <p:nvCxnSpPr>
-          <p:cNvPr id="76" name="Google Shape;76;p16"/>
-          <p:cNvCxnSpPr/>
-          <p:nvPr/>
-        </p:nvCxnSpPr>
-        <p:spPr>
-          <a:xfrm>
-            <a:off x="4196118" y="1587600"/>
-            <a:ext cx="737700" cy="5100"/>
-          </a:xfrm>
-          <a:prstGeom prst="straightConnector1">
-            <a:avLst/>
-          </a:prstGeom>
-          <a:noFill/>
-          <a:ln w="9525" cap="flat" cmpd="sng">
-            <a:solidFill>
-              <a:schemeClr val="lt2"/>
-            </a:solidFill>
-            <a:prstDash val="solid"/>
-            <a:round/>
-            <a:headEnd type="none" w="med" len="med"/>
-            <a:tailEnd type="none" w="med" len="med"/>
-          </a:ln>
-        </p:spPr>
-      </p:cxnSp>
-      <p:sp>
-        <p:nvSpPr>
-          <p:cNvPr id="77" name="Google Shape;77;p16"/>
-          <p:cNvSpPr txBox="1"/>
-          <p:nvPr/>
-        </p:nvSpPr>
-        <p:spPr>
-          <a:xfrm>
-            <a:off x="311700" y="3411663"/>
-            <a:ext cx="6148500" cy="1293000"/>
-          </a:xfrm>
-          <a:prstGeom prst="rect">
-            <a:avLst/>
-          </a:prstGeom>
-          <a:noFill/>
-          <a:ln>
-            <a:noFill/>
-          </a:ln>
-        </p:spPr>
-        <p:txBody>
-          <a:bodyPr spcFirstLastPara="1" wrap="square" lIns="91425" tIns="91425" rIns="91425" bIns="91425" anchor="t" anchorCtr="0">
-            <a:spAutoFit/>
-          </a:bodyPr>
-          <a:lstStyle/>
-          <a:p>
-            <a:pPr marL="0" lvl="0" indent="0" algn="l" rtl="0">
-              <a:spcBef>
-                <a:spcPts val="0"/>
-              </a:spcBef>
-              <a:spcAft>
-                <a:spcPts val="0"/>
-              </a:spcAft>
-              <a:buNone/>
-            </a:pPr>
-            <a:r>
-              <a:rPr lang="pl" sz="1800">
-                <a:solidFill>
-                  <a:srgbClr val="F3F3F3"/>
-                </a:solidFill>
-              </a:rPr>
-              <a:t>gdzie: </a:t>
-            </a:r>
-            <a:endParaRPr sz="1800">
-              <a:solidFill>
-                <a:srgbClr val="F3F3F3"/>
-              </a:solidFill>
-            </a:endParaRPr>
-          </a:p>
-          <a:p>
-            <a:pPr marL="0" lvl="0" indent="0" algn="l" rtl="0">
-              <a:spcBef>
-                <a:spcPts val="0"/>
-              </a:spcBef>
-              <a:spcAft>
-                <a:spcPts val="0"/>
-              </a:spcAft>
-              <a:buNone/>
-            </a:pPr>
-            <a:r>
-              <a:rPr lang="pl" sz="1800">
-                <a:solidFill>
-                  <a:srgbClr val="F3F3F3"/>
-                </a:solidFill>
-              </a:rPr>
-              <a:t>k - stała elektrostatyczna - 9 · 10</a:t>
-            </a:r>
-            <a:r>
-              <a:rPr lang="pl" sz="1800" baseline="30000">
-                <a:solidFill>
-                  <a:srgbClr val="F3F3F3"/>
-                </a:solidFill>
-              </a:rPr>
-              <a:t>9</a:t>
-            </a:r>
-            <a:r>
-              <a:rPr lang="pl" sz="1800">
-                <a:solidFill>
-                  <a:srgbClr val="F3F3F3"/>
-                </a:solidFill>
-              </a:rPr>
-              <a:t> [N·m</a:t>
-            </a:r>
-            <a:r>
-              <a:rPr lang="pl" sz="1800" baseline="30000">
-                <a:solidFill>
-                  <a:srgbClr val="F3F3F3"/>
-                </a:solidFill>
-              </a:rPr>
-              <a:t>2</a:t>
-            </a:r>
-            <a:r>
-              <a:rPr lang="pl" sz="1800">
-                <a:solidFill>
-                  <a:srgbClr val="F3F3F3"/>
-                </a:solidFill>
-              </a:rPr>
-              <a:t>·C</a:t>
-            </a:r>
-            <a:r>
-              <a:rPr lang="pl" sz="1800" baseline="30000">
-                <a:solidFill>
-                  <a:srgbClr val="F3F3F3"/>
-                </a:solidFill>
-              </a:rPr>
-              <a:t>2</a:t>
-            </a:r>
-            <a:r>
-              <a:rPr lang="pl" sz="1800">
-                <a:solidFill>
-                  <a:srgbClr val="F3F3F3"/>
-                </a:solidFill>
-              </a:rPr>
-              <a:t>]</a:t>
-            </a:r>
-            <a:endParaRPr sz="1800">
-              <a:solidFill>
-                <a:srgbClr val="F3F3F3"/>
-              </a:solidFill>
-            </a:endParaRPr>
-          </a:p>
-          <a:p>
-            <a:pPr marL="0" lvl="0" indent="0" algn="l" rtl="0">
-              <a:spcBef>
-                <a:spcPts val="0"/>
-              </a:spcBef>
-              <a:spcAft>
-                <a:spcPts val="0"/>
-              </a:spcAft>
-              <a:buNone/>
-            </a:pPr>
-            <a:r>
-              <a:rPr lang="pl" sz="1800">
-                <a:solidFill>
-                  <a:srgbClr val="F3F3F3"/>
-                </a:solidFill>
-              </a:rPr>
-              <a:t>Q - ładunek w danym punkcie [C]</a:t>
-            </a:r>
-            <a:endParaRPr sz="1800">
-              <a:solidFill>
-                <a:srgbClr val="F3F3F3"/>
-              </a:solidFill>
-            </a:endParaRPr>
-          </a:p>
-          <a:p>
-            <a:pPr marL="0" lvl="0" indent="0" algn="l" rtl="0">
-              <a:spcBef>
-                <a:spcPts val="0"/>
-              </a:spcBef>
-              <a:spcAft>
-                <a:spcPts val="0"/>
-              </a:spcAft>
-              <a:buNone/>
-            </a:pPr>
-            <a:r>
-              <a:rPr lang="pl" sz="1800">
-                <a:solidFill>
-                  <a:srgbClr val="F3F3F3"/>
-                </a:solidFill>
-              </a:rPr>
-              <a:t>r - odległość badanego punktu od środka koła [m]</a:t>
-            </a:r>
-            <a:endParaRPr sz="1600"/>
-          </a:p>
-        </p:txBody>
-      </p:sp>
+      <mc:AlternateContent xmlns:mc="http://schemas.openxmlformats.org/markup-compatibility/2006">
+        <mc:Choice xmlns:a14="http://schemas.microsoft.com/office/drawing/2010/main" Requires="a14">
+          <p:sp>
+            <p:nvSpPr>
+              <p:cNvPr id="77" name="Google Shape;77;p16"/>
+              <p:cNvSpPr txBox="1"/>
+              <p:nvPr/>
+            </p:nvSpPr>
+            <p:spPr>
+              <a:xfrm>
+                <a:off x="311700" y="3464826"/>
+                <a:ext cx="6148500" cy="1292631"/>
+              </a:xfrm>
+              <a:prstGeom prst="rect">
+                <a:avLst/>
+              </a:prstGeom>
+              <a:noFill/>
+              <a:ln>
+                <a:noFill/>
+              </a:ln>
+            </p:spPr>
+            <p:txBody>
+              <a:bodyPr spcFirstLastPara="1" wrap="square" lIns="91425" tIns="91425" rIns="91425" bIns="91425" anchor="t" anchorCtr="0">
+                <a:spAutoFit/>
+              </a:bodyPr>
+              <a:lstStyle/>
+              <a:p>
+                <a:pPr marL="0" lvl="0" indent="0" algn="l" rtl="0">
+                  <a:spcBef>
+                    <a:spcPts val="0"/>
+                  </a:spcBef>
+                  <a:spcAft>
+                    <a:spcPts val="0"/>
+                  </a:spcAft>
+                  <a:buNone/>
+                </a:pPr>
+                <a:r>
+                  <a:rPr lang="pl-PL" sz="1800" dirty="0">
+                    <a:solidFill>
+                      <a:srgbClr val="F3F3F3"/>
+                    </a:solidFill>
+                  </a:rPr>
+                  <a:t>gdzie: </a:t>
+                </a:r>
+              </a:p>
+              <a:p>
+                <a:pPr lvl="0"/>
+                <a:r>
+                  <a:rPr lang="pl-PL" sz="1800" dirty="0">
+                    <a:solidFill>
+                      <a:srgbClr val="F3F3F3"/>
+                    </a:solidFill>
+                  </a:rPr>
+                  <a:t>k - stała elektrostatyczna - </a:t>
+                </a:r>
+                <a14:m>
+                  <m:oMath xmlns:m="http://schemas.openxmlformats.org/officeDocument/2006/math">
+                    <m:r>
+                      <a:rPr lang="pl-PL" sz="1800" b="0" i="0" smtClean="0">
+                        <a:solidFill>
+                          <a:srgbClr val="F3F3F3"/>
+                        </a:solidFill>
+                        <a:latin typeface="Cambria Math" panose="02040503050406030204" pitchFamily="18" charset="0"/>
+                      </a:rPr>
+                      <m:t>9</m:t>
+                    </m:r>
+                    <m:r>
+                      <a:rPr lang="pl-PL" sz="1800" b="0" i="1" smtClean="0">
+                        <a:solidFill>
+                          <a:srgbClr val="F3F3F3"/>
+                        </a:solidFill>
+                        <a:latin typeface="Cambria Math" panose="02040503050406030204" pitchFamily="18" charset="0"/>
+                      </a:rPr>
+                      <m:t>·</m:t>
+                    </m:r>
+                    <m:sSup>
+                      <m:sSupPr>
+                        <m:ctrlPr>
+                          <a:rPr lang="ar-AE" sz="1800" i="1" smtClean="0">
+                            <a:solidFill>
+                              <a:srgbClr val="F3F3F3"/>
+                            </a:solidFill>
+                            <a:latin typeface="Cambria Math" panose="02040503050406030204" pitchFamily="18" charset="0"/>
+                          </a:rPr>
+                        </m:ctrlPr>
+                      </m:sSupPr>
+                      <m:e>
+                        <m:r>
+                          <a:rPr lang="ar-AE" sz="1800" b="0" i="1" smtClean="0">
+                            <a:solidFill>
+                              <a:srgbClr val="F3F3F3"/>
+                            </a:solidFill>
+                            <a:latin typeface="Cambria Math" panose="02040503050406030204" pitchFamily="18" charset="0"/>
+                          </a:rPr>
+                          <m:t>1</m:t>
+                        </m:r>
+                        <m:r>
+                          <a:rPr lang="pl-PL" sz="1800" b="0" i="1" smtClean="0">
+                            <a:solidFill>
+                              <a:srgbClr val="F3F3F3"/>
+                            </a:solidFill>
+                            <a:latin typeface="Cambria Math" panose="02040503050406030204" pitchFamily="18" charset="0"/>
+                          </a:rPr>
+                          <m:t>0</m:t>
+                        </m:r>
+                      </m:e>
+                      <m:sup>
+                        <m:r>
+                          <a:rPr lang="pl-PL" sz="1800" b="0" i="1" smtClean="0">
+                            <a:solidFill>
+                              <a:srgbClr val="F3F3F3"/>
+                            </a:solidFill>
+                            <a:latin typeface="Cambria Math" panose="02040503050406030204" pitchFamily="18" charset="0"/>
+                          </a:rPr>
+                          <m:t>9</m:t>
+                        </m:r>
+                      </m:sup>
+                    </m:sSup>
+                    <m:r>
+                      <a:rPr lang="pl-PL" sz="1800" b="0" i="0" smtClean="0">
+                        <a:solidFill>
+                          <a:srgbClr val="F3F3F3"/>
+                        </a:solidFill>
+                        <a:latin typeface="Cambria Math" panose="02040503050406030204" pitchFamily="18" charset="0"/>
+                      </a:rPr>
+                      <m:t> [</m:t>
+                    </m:r>
+                    <m:sSup>
+                      <m:sSupPr>
+                        <m:ctrlPr>
+                          <a:rPr lang="ar-AE" sz="1800" i="1">
+                            <a:solidFill>
+                              <a:srgbClr val="F3F3F3"/>
+                            </a:solidFill>
+                            <a:latin typeface="Cambria Math" panose="02040503050406030204" pitchFamily="18" charset="0"/>
+                          </a:rPr>
+                        </m:ctrlPr>
+                      </m:sSupPr>
+                      <m:e>
+                        <m:r>
+                          <a:rPr lang="pl-PL" sz="1800" b="0" i="1" smtClean="0">
+                            <a:solidFill>
+                              <a:srgbClr val="F3F3F3"/>
+                            </a:solidFill>
+                            <a:latin typeface="Cambria Math" panose="02040503050406030204" pitchFamily="18" charset="0"/>
+                          </a:rPr>
+                          <m:t>𝑁</m:t>
+                        </m:r>
+                        <m:r>
+                          <m:rPr>
+                            <m:nor/>
+                          </m:rPr>
+                          <a:rPr lang="pl-PL" sz="1800" b="0" i="0" smtClean="0">
+                            <a:solidFill>
+                              <a:srgbClr val="F3F3F3"/>
+                            </a:solidFill>
+                            <a:latin typeface="Cambria Math" panose="02040503050406030204" pitchFamily="18" charset="0"/>
+                          </a:rPr>
+                          <m:t> </m:t>
+                        </m:r>
+                        <m:r>
+                          <m:rPr>
+                            <m:nor/>
+                          </m:rPr>
+                          <a:rPr lang="pl-PL" sz="1800" dirty="0">
+                            <a:solidFill>
+                              <a:srgbClr val="F3F3F3"/>
+                            </a:solidFill>
+                          </a:rPr>
+                          <m:t>·</m:t>
+                        </m:r>
+                        <m:r>
+                          <m:rPr>
+                            <m:nor/>
+                          </m:rPr>
+                          <a:rPr lang="pl-PL" sz="1800" b="0" i="0" dirty="0" smtClean="0">
+                            <a:solidFill>
+                              <a:srgbClr val="F3F3F3"/>
+                            </a:solidFill>
+                          </a:rPr>
+                          <m:t> </m:t>
+                        </m:r>
+                        <m:r>
+                          <a:rPr lang="pl-PL" sz="1800" b="0" i="1" smtClean="0">
+                            <a:solidFill>
+                              <a:srgbClr val="F3F3F3"/>
+                            </a:solidFill>
+                            <a:latin typeface="Cambria Math" panose="02040503050406030204" pitchFamily="18" charset="0"/>
+                          </a:rPr>
+                          <m:t>𝑚</m:t>
+                        </m:r>
+                      </m:e>
+                      <m:sup>
+                        <m:r>
+                          <a:rPr lang="pl-PL" sz="1800" b="0" i="1" smtClean="0">
+                            <a:solidFill>
+                              <a:srgbClr val="F3F3F3"/>
+                            </a:solidFill>
+                            <a:latin typeface="Cambria Math" panose="02040503050406030204" pitchFamily="18" charset="0"/>
+                          </a:rPr>
+                          <m:t>2</m:t>
+                        </m:r>
+                      </m:sup>
+                    </m:sSup>
+                    <m:r>
+                      <m:rPr>
+                        <m:nor/>
+                      </m:rPr>
+                      <a:rPr lang="pl-PL" sz="1800" b="0" i="0" smtClean="0">
+                        <a:solidFill>
+                          <a:srgbClr val="F3F3F3"/>
+                        </a:solidFill>
+                        <a:latin typeface="Cambria Math" panose="02040503050406030204" pitchFamily="18" charset="0"/>
+                      </a:rPr>
+                      <m:t> </m:t>
+                    </m:r>
+                    <m:r>
+                      <m:rPr>
+                        <m:nor/>
+                      </m:rPr>
+                      <a:rPr lang="pl-PL" sz="1800" dirty="0">
+                        <a:solidFill>
+                          <a:srgbClr val="F3F3F3"/>
+                        </a:solidFill>
+                      </a:rPr>
+                      <m:t>·</m:t>
+                    </m:r>
+                    <m:r>
+                      <m:rPr>
+                        <m:nor/>
+                      </m:rPr>
+                      <a:rPr lang="pl-PL" sz="1800" b="0" i="0" dirty="0" smtClean="0">
+                        <a:solidFill>
+                          <a:srgbClr val="F3F3F3"/>
+                        </a:solidFill>
+                      </a:rPr>
+                      <m:t> </m:t>
+                    </m:r>
+                    <m:sSup>
+                      <m:sSupPr>
+                        <m:ctrlPr>
+                          <a:rPr lang="ar-AE" sz="1800" i="1">
+                            <a:solidFill>
+                              <a:srgbClr val="F3F3F3"/>
+                            </a:solidFill>
+                            <a:latin typeface="Cambria Math" panose="02040503050406030204" pitchFamily="18" charset="0"/>
+                          </a:rPr>
+                        </m:ctrlPr>
+                      </m:sSupPr>
+                      <m:e>
+                        <m:r>
+                          <a:rPr lang="pl-PL" sz="1800" i="1">
+                            <a:solidFill>
+                              <a:srgbClr val="F3F3F3"/>
+                            </a:solidFill>
+                            <a:latin typeface="Cambria Math" panose="02040503050406030204" pitchFamily="18" charset="0"/>
+                          </a:rPr>
+                          <m:t>𝐶</m:t>
+                        </m:r>
+                      </m:e>
+                      <m:sup>
+                        <m:r>
+                          <a:rPr lang="pl-PL" sz="1800" i="1">
+                            <a:solidFill>
+                              <a:srgbClr val="F3F3F3"/>
+                            </a:solidFill>
+                            <a:latin typeface="Cambria Math" panose="02040503050406030204" pitchFamily="18" charset="0"/>
+                          </a:rPr>
+                          <m:t>2</m:t>
+                        </m:r>
+                      </m:sup>
+                    </m:sSup>
+                  </m:oMath>
+                </a14:m>
+                <a:r>
+                  <a:rPr lang="pl-PL" sz="1800" dirty="0">
+                    <a:solidFill>
+                      <a:srgbClr val="F3F3F3"/>
+                    </a:solidFill>
+                  </a:rPr>
+                  <a:t>]</a:t>
+                </a:r>
+              </a:p>
+              <a:p>
+                <a:pPr lvl="0"/>
+                <a:r>
+                  <a:rPr lang="pl-PL" sz="1800" dirty="0">
+                    <a:solidFill>
+                      <a:srgbClr val="F3F3F3"/>
+                    </a:solidFill>
+                  </a:rPr>
+                  <a:t>Q - ładunek w danym punkcie </a:t>
+                </a:r>
+                <a14:m>
+                  <m:oMath xmlns:m="http://schemas.openxmlformats.org/officeDocument/2006/math">
+                    <m:r>
+                      <a:rPr lang="pl-PL" sz="1800" b="0" i="0" smtClean="0">
+                        <a:solidFill>
+                          <a:srgbClr val="F3F3F3"/>
+                        </a:solidFill>
+                        <a:latin typeface="Cambria Math" panose="02040503050406030204" pitchFamily="18" charset="0"/>
+                      </a:rPr>
+                      <m:t>[</m:t>
+                    </m:r>
+                    <m:r>
+                      <m:rPr>
+                        <m:sty m:val="p"/>
+                      </m:rPr>
+                      <a:rPr lang="pl-PL" sz="1800" b="0" i="0" smtClean="0">
+                        <a:solidFill>
+                          <a:srgbClr val="F3F3F3"/>
+                        </a:solidFill>
+                        <a:latin typeface="Cambria Math" panose="02040503050406030204" pitchFamily="18" charset="0"/>
+                      </a:rPr>
+                      <m:t>C</m:t>
+                    </m:r>
+                  </m:oMath>
+                </a14:m>
+                <a:r>
+                  <a:rPr lang="pl-PL" sz="1800" dirty="0">
+                    <a:solidFill>
+                      <a:srgbClr val="F3F3F3"/>
+                    </a:solidFill>
+                  </a:rPr>
+                  <a:t>]</a:t>
+                </a:r>
+              </a:p>
+              <a:p>
+                <a:r>
+                  <a:rPr lang="pl-PL" sz="1800" dirty="0">
+                    <a:solidFill>
+                      <a:srgbClr val="F3F3F3"/>
+                    </a:solidFill>
+                  </a:rPr>
+                  <a:t>r - odległość badanego punktu od środka koła </a:t>
+                </a:r>
+                <a14:m>
+                  <m:oMath xmlns:m="http://schemas.openxmlformats.org/officeDocument/2006/math">
+                    <m:r>
+                      <a:rPr lang="pl-PL" sz="1800" b="0" i="0" smtClean="0">
+                        <a:solidFill>
+                          <a:srgbClr val="F3F3F3"/>
+                        </a:solidFill>
+                        <a:latin typeface="Cambria Math" panose="02040503050406030204" pitchFamily="18" charset="0"/>
+                      </a:rPr>
+                      <m:t>[</m:t>
+                    </m:r>
+                    <m:r>
+                      <m:rPr>
+                        <m:sty m:val="p"/>
+                      </m:rPr>
+                      <a:rPr lang="pl-PL" sz="1800" b="0" i="0" smtClean="0">
+                        <a:solidFill>
+                          <a:srgbClr val="F3F3F3"/>
+                        </a:solidFill>
+                        <a:latin typeface="Cambria Math" panose="02040503050406030204" pitchFamily="18" charset="0"/>
+                      </a:rPr>
+                      <m:t>m</m:t>
+                    </m:r>
+                  </m:oMath>
+                </a14:m>
+                <a:r>
+                  <a:rPr lang="pl-PL" sz="1800" dirty="0">
+                    <a:solidFill>
+                      <a:srgbClr val="F3F3F3"/>
+                    </a:solidFill>
+                  </a:rPr>
+                  <a:t>]</a:t>
+                </a:r>
+              </a:p>
+            </p:txBody>
+          </p:sp>
+        </mc:Choice>
+        <mc:Fallback>
+          <p:sp>
+            <p:nvSpPr>
+              <p:cNvPr id="77" name="Google Shape;77;p16"/>
+              <p:cNvSpPr txBox="1">
+                <a:spLocks noRot="1" noChangeAspect="1" noMove="1" noResize="1" noEditPoints="1" noAdjustHandles="1" noChangeArrowheads="1" noChangeShapeType="1" noTextEdit="1"/>
+              </p:cNvSpPr>
+              <p:nvPr/>
+            </p:nvSpPr>
+            <p:spPr>
+              <a:xfrm>
+                <a:off x="311700" y="3464826"/>
+                <a:ext cx="6148500" cy="1292631"/>
+              </a:xfrm>
+              <a:prstGeom prst="rect">
+                <a:avLst/>
+              </a:prstGeom>
+              <a:blipFill>
+                <a:blip r:embed="rId3"/>
+                <a:stretch>
+                  <a:fillRect l="-793" b="-3302"/>
+                </a:stretch>
+              </a:blipFill>
+              <a:ln>
+                <a:noFill/>
+              </a:ln>
+            </p:spPr>
+            <p:txBody>
+              <a:bodyPr/>
+              <a:lstStyle/>
+              <a:p>
+                <a:r>
+                  <a:rPr lang="pl-PL">
+                    <a:noFill/>
+                  </a:rPr>
+                  <a:t> </a:t>
+                </a:r>
+              </a:p>
+            </p:txBody>
+          </p:sp>
+        </mc:Fallback>
+      </mc:AlternateContent>
       <p:sp>
         <p:nvSpPr>
           <p:cNvPr id="78" name="Google Shape;78;p16"/>
@@ -8305,7 +8371,7 @@
         </p:nvSpPr>
         <p:spPr>
           <a:xfrm>
-            <a:off x="347550" y="1948963"/>
+            <a:off x="311700" y="1966686"/>
             <a:ext cx="8448900" cy="508500"/>
           </a:xfrm>
           <a:prstGeom prst="rect">
@@ -8332,14 +8398,14 @@
               <a:buNone/>
             </a:pPr>
             <a:r>
-              <a:rPr lang="pl" sz="1800">
+              <a:rPr lang="pl" sz="1800" dirty="0">
                 <a:solidFill>
                   <a:srgbClr val="F3F3F3"/>
                 </a:solidFill>
               </a:rPr>
               <a:t>Natężenie pola elektrycznego E możemy obliczyć ze wzoru:</a:t>
             </a:r>
-            <a:endParaRPr sz="1800">
+            <a:endParaRPr sz="1800" dirty="0">
               <a:solidFill>
                 <a:srgbClr val="F3F3F3"/>
               </a:solidFill>
@@ -8347,190 +8413,339 @@
           </a:p>
         </p:txBody>
       </p:sp>
-      <p:sp>
-        <p:nvSpPr>
-          <p:cNvPr id="79" name="Google Shape;79;p16"/>
-          <p:cNvSpPr txBox="1"/>
-          <p:nvPr/>
-        </p:nvSpPr>
-        <p:spPr>
-          <a:xfrm>
-            <a:off x="3445525" y="2556550"/>
-            <a:ext cx="625800" cy="461700"/>
-          </a:xfrm>
-          <a:prstGeom prst="rect">
-            <a:avLst/>
-          </a:prstGeom>
-          <a:noFill/>
-          <a:ln>
-            <a:noFill/>
-          </a:ln>
-        </p:spPr>
-        <p:txBody>
-          <a:bodyPr spcFirstLastPara="1" wrap="square" lIns="91425" tIns="91425" rIns="91425" bIns="91425" anchor="t" anchorCtr="0">
-            <a:noAutofit/>
-          </a:bodyPr>
-          <a:lstStyle/>
-          <a:p>
-            <a:pPr marL="0" lvl="0" indent="0" algn="l" rtl="0">
-              <a:spcBef>
-                <a:spcPts val="0"/>
-              </a:spcBef>
-              <a:spcAft>
-                <a:spcPts val="0"/>
-              </a:spcAft>
-              <a:buNone/>
-            </a:pPr>
-            <a:r>
-              <a:rPr lang="pl" sz="1800">
-                <a:solidFill>
-                  <a:srgbClr val="F3F3F3"/>
-                </a:solidFill>
-              </a:rPr>
-              <a:t>E =</a:t>
-            </a:r>
-            <a:r>
-              <a:rPr lang="pl" sz="1800">
-                <a:solidFill>
-                  <a:schemeClr val="lt2"/>
-                </a:solidFill>
-              </a:rPr>
-              <a:t> </a:t>
-            </a:r>
-            <a:endParaRPr sz="1800">
-              <a:solidFill>
-                <a:schemeClr val="lt2"/>
-              </a:solidFill>
-            </a:endParaRPr>
-          </a:p>
-        </p:txBody>
-      </p:sp>
-      <p:cxnSp>
-        <p:nvCxnSpPr>
-          <p:cNvPr id="80" name="Google Shape;80;p16"/>
-          <p:cNvCxnSpPr/>
-          <p:nvPr/>
-        </p:nvCxnSpPr>
-        <p:spPr>
-          <a:xfrm>
-            <a:off x="4162075" y="2786075"/>
-            <a:ext cx="649200" cy="2700"/>
-          </a:xfrm>
-          <a:prstGeom prst="straightConnector1">
-            <a:avLst/>
-          </a:prstGeom>
-          <a:noFill/>
-          <a:ln w="9525" cap="flat" cmpd="sng">
-            <a:solidFill>
-              <a:srgbClr val="F3F3F3"/>
-            </a:solidFill>
-            <a:prstDash val="solid"/>
-            <a:round/>
-            <a:headEnd type="none" w="med" len="med"/>
-            <a:tailEnd type="none" w="med" len="med"/>
-          </a:ln>
-        </p:spPr>
-      </p:cxnSp>
-      <p:sp>
-        <p:nvSpPr>
-          <p:cNvPr id="81" name="Google Shape;81;p16"/>
-          <p:cNvSpPr txBox="1"/>
-          <p:nvPr/>
-        </p:nvSpPr>
-        <p:spPr>
-          <a:xfrm>
-            <a:off x="4236475" y="2340888"/>
-            <a:ext cx="500400" cy="461700"/>
-          </a:xfrm>
-          <a:prstGeom prst="rect">
-            <a:avLst/>
-          </a:prstGeom>
-          <a:noFill/>
-          <a:ln>
-            <a:noFill/>
-          </a:ln>
-        </p:spPr>
-        <p:txBody>
-          <a:bodyPr spcFirstLastPara="1" wrap="square" lIns="91425" tIns="91425" rIns="91425" bIns="91425" anchor="t" anchorCtr="0">
-            <a:spAutoFit/>
-          </a:bodyPr>
-          <a:lstStyle/>
-          <a:p>
-            <a:pPr marL="0" lvl="0" indent="0" algn="l" rtl="0">
-              <a:spcBef>
-                <a:spcPts val="0"/>
-              </a:spcBef>
-              <a:spcAft>
-                <a:spcPts val="0"/>
-              </a:spcAft>
-              <a:buNone/>
-            </a:pPr>
-            <a:r>
-              <a:rPr lang="pl" sz="1800">
-                <a:solidFill>
-                  <a:srgbClr val="F3F3F3"/>
-                </a:solidFill>
-              </a:rPr>
-              <a:t>kQ</a:t>
-            </a:r>
-            <a:endParaRPr/>
-          </a:p>
-        </p:txBody>
-      </p:sp>
-      <p:sp>
-        <p:nvSpPr>
-          <p:cNvPr id="82" name="Google Shape;82;p16"/>
-          <p:cNvSpPr txBox="1"/>
-          <p:nvPr/>
-        </p:nvSpPr>
-        <p:spPr>
-          <a:xfrm>
-            <a:off x="4321800" y="2786075"/>
-            <a:ext cx="500400" cy="461700"/>
-          </a:xfrm>
-          <a:prstGeom prst="rect">
-            <a:avLst/>
-          </a:prstGeom>
-          <a:noFill/>
-          <a:ln>
-            <a:noFill/>
-          </a:ln>
-        </p:spPr>
-        <p:txBody>
-          <a:bodyPr spcFirstLastPara="1" wrap="square" lIns="91425" tIns="91425" rIns="91425" bIns="91425" anchor="t" anchorCtr="0">
-            <a:spAutoFit/>
-          </a:bodyPr>
-          <a:lstStyle/>
-          <a:p>
-            <a:pPr marL="0" lvl="0" indent="0" algn="l" rtl="0">
-              <a:spcBef>
-                <a:spcPts val="0"/>
-              </a:spcBef>
-              <a:spcAft>
-                <a:spcPts val="0"/>
-              </a:spcAft>
-              <a:buNone/>
-            </a:pPr>
-            <a:r>
-              <a:rPr lang="pl" sz="1800">
-                <a:solidFill>
-                  <a:srgbClr val="F3F3F3"/>
-                </a:solidFill>
-              </a:rPr>
-              <a:t>r</a:t>
-            </a:r>
-            <a:r>
-              <a:rPr lang="pl" sz="1800" baseline="30000">
-                <a:solidFill>
-                  <a:srgbClr val="F3F3F3"/>
-                </a:solidFill>
-              </a:rPr>
-              <a:t>2</a:t>
-            </a:r>
-            <a:endParaRPr baseline="30000"/>
-          </a:p>
-        </p:txBody>
-      </p:sp>
+      <mc:AlternateContent xmlns:mc="http://schemas.openxmlformats.org/markup-compatibility/2006">
+        <mc:Choice xmlns:a14="http://schemas.microsoft.com/office/drawing/2010/main" Requires="a14">
+          <p:sp>
+            <p:nvSpPr>
+              <p:cNvPr id="2" name="pole tekstowe 1">
+                <a:extLst>
+                  <a:ext uri="{FF2B5EF4-FFF2-40B4-BE49-F238E27FC236}">
+                    <a16:creationId xmlns:a16="http://schemas.microsoft.com/office/drawing/2014/main" id="{68A53D99-1343-F3B1-3A92-A0E96CA709C1}"/>
+                  </a:ext>
+                </a:extLst>
+              </p:cNvPr>
+              <p:cNvSpPr txBox="1"/>
+              <p:nvPr/>
+            </p:nvSpPr>
+            <p:spPr>
+              <a:xfrm>
+                <a:off x="0" y="1220135"/>
+                <a:ext cx="9144000" cy="533992"/>
+              </a:xfrm>
+              <a:prstGeom prst="rect">
+                <a:avLst/>
+              </a:prstGeom>
+              <a:noFill/>
+            </p:spPr>
+            <p:txBody>
+              <a:bodyPr wrap="square" rtlCol="0">
+                <a:spAutoFit/>
+              </a:bodyPr>
+              <a:lstStyle/>
+              <a:p>
+                <a:pPr algn="ctr"/>
+                <a:r>
+                  <a:rPr lang="pl-PL" sz="2000" dirty="0">
+                    <a:solidFill>
+                      <a:schemeClr val="tx1"/>
+                    </a:solidFill>
+                    <a:latin typeface="Cambria Math" panose="02040503050406030204" pitchFamily="18" charset="0"/>
+                    <a:ea typeface="Cambria Math" panose="02040503050406030204" pitchFamily="18" charset="0"/>
+                  </a:rPr>
+                  <a:t>V(r) </a:t>
+                </a:r>
+                <a14:m>
+                  <m:oMath xmlns:m="http://schemas.openxmlformats.org/officeDocument/2006/math">
+                    <m:r>
+                      <a:rPr lang="pl-PL" sz="2000" b="0" i="1" smtClean="0">
+                        <a:solidFill>
+                          <a:schemeClr val="tx1"/>
+                        </a:solidFill>
+                        <a:latin typeface="Cambria Math" panose="02040503050406030204" pitchFamily="18" charset="0"/>
+                        <a:ea typeface="Cambria Math" panose="02040503050406030204" pitchFamily="18" charset="0"/>
+                      </a:rPr>
+                      <m:t>= </m:t>
+                    </m:r>
+                    <m:r>
+                      <a:rPr lang="pl-PL" sz="2000" b="0" i="1" smtClean="0">
+                        <a:solidFill>
+                          <a:schemeClr val="tx1"/>
+                        </a:solidFill>
+                        <a:latin typeface="Cambria Math" panose="02040503050406030204" pitchFamily="18" charset="0"/>
+                        <a:ea typeface="Cambria Math" panose="02040503050406030204" pitchFamily="18" charset="0"/>
+                      </a:rPr>
+                      <m:t> </m:t>
+                    </m:r>
+                    <m:f>
+                      <m:fPr>
+                        <m:ctrlPr>
+                          <a:rPr lang="pl-PL" sz="2000" b="0" i="1" smtClean="0">
+                            <a:solidFill>
+                              <a:schemeClr val="tx1"/>
+                            </a:solidFill>
+                            <a:latin typeface="Cambria Math" panose="02040503050406030204" pitchFamily="18" charset="0"/>
+                            <a:ea typeface="Cambria Math" panose="02040503050406030204" pitchFamily="18" charset="0"/>
+                          </a:rPr>
+                        </m:ctrlPr>
+                      </m:fPr>
+                      <m:num>
+                        <m:r>
+                          <a:rPr lang="pl-PL" sz="2000" b="0" i="1" smtClean="0">
+                            <a:solidFill>
+                              <a:schemeClr val="tx1"/>
+                            </a:solidFill>
+                            <a:latin typeface="Cambria Math" panose="02040503050406030204" pitchFamily="18" charset="0"/>
+                            <a:ea typeface="Cambria Math" panose="02040503050406030204" pitchFamily="18" charset="0"/>
+                          </a:rPr>
+                          <m:t>𝑘𝑞</m:t>
+                        </m:r>
+                      </m:num>
+                      <m:den>
+                        <m:r>
+                          <a:rPr lang="pl-PL" sz="2000" b="0" i="1" smtClean="0">
+                            <a:solidFill>
+                              <a:schemeClr val="tx1"/>
+                            </a:solidFill>
+                            <a:latin typeface="Cambria Math" panose="02040503050406030204" pitchFamily="18" charset="0"/>
+                            <a:ea typeface="Cambria Math" panose="02040503050406030204" pitchFamily="18" charset="0"/>
+                          </a:rPr>
+                          <m:t>𝑟</m:t>
+                        </m:r>
+                      </m:den>
+                    </m:f>
+                  </m:oMath>
+                </a14:m>
+                <a:endParaRPr lang="pl-PL" dirty="0">
+                  <a:latin typeface="Cambria Math" panose="02040503050406030204" pitchFamily="18" charset="0"/>
+                  <a:ea typeface="Cambria Math" panose="02040503050406030204" pitchFamily="18" charset="0"/>
+                </a:endParaRPr>
+              </a:p>
+            </p:txBody>
+          </p:sp>
+        </mc:Choice>
+        <mc:Fallback>
+          <p:sp>
+            <p:nvSpPr>
+              <p:cNvPr id="2" name="pole tekstowe 1">
+                <a:extLst>
+                  <a:ext uri="{FF2B5EF4-FFF2-40B4-BE49-F238E27FC236}">
+                    <a16:creationId xmlns:a16="http://schemas.microsoft.com/office/drawing/2014/main" id="{68A53D99-1343-F3B1-3A92-A0E96CA709C1}"/>
+                  </a:ext>
+                </a:extLst>
+              </p:cNvPr>
+              <p:cNvSpPr txBox="1">
+                <a:spLocks noRot="1" noChangeAspect="1" noMove="1" noResize="1" noEditPoints="1" noAdjustHandles="1" noChangeArrowheads="1" noChangeShapeType="1" noTextEdit="1"/>
+              </p:cNvSpPr>
+              <p:nvPr/>
+            </p:nvSpPr>
+            <p:spPr>
+              <a:xfrm>
+                <a:off x="0" y="1220135"/>
+                <a:ext cx="9144000" cy="533992"/>
+              </a:xfrm>
+              <a:prstGeom prst="rect">
+                <a:avLst/>
+              </a:prstGeom>
+              <a:blipFill>
+                <a:blip r:embed="rId4"/>
+                <a:stretch>
+                  <a:fillRect b="-5682"/>
+                </a:stretch>
+              </a:blipFill>
+            </p:spPr>
+            <p:txBody>
+              <a:bodyPr/>
+              <a:lstStyle/>
+              <a:p>
+                <a:r>
+                  <a:rPr lang="pl-PL">
+                    <a:noFill/>
+                  </a:rPr>
+                  <a:t> </a:t>
+                </a:r>
+              </a:p>
+            </p:txBody>
+          </p:sp>
+        </mc:Fallback>
+      </mc:AlternateContent>
+      <mc:AlternateContent xmlns:mc="http://schemas.openxmlformats.org/markup-compatibility/2006">
+        <mc:Choice xmlns:a14="http://schemas.microsoft.com/office/drawing/2010/main" Requires="a14">
+          <p:sp>
+            <p:nvSpPr>
+              <p:cNvPr id="3" name="pole tekstowe 2">
+                <a:extLst>
+                  <a:ext uri="{FF2B5EF4-FFF2-40B4-BE49-F238E27FC236}">
+                    <a16:creationId xmlns:a16="http://schemas.microsoft.com/office/drawing/2014/main" id="{E84855F0-748A-C361-103C-331899696051}"/>
+                  </a:ext>
+                </a:extLst>
+              </p:cNvPr>
+              <p:cNvSpPr txBox="1"/>
+              <p:nvPr/>
+            </p:nvSpPr>
+            <p:spPr>
+              <a:xfrm>
+                <a:off x="0" y="2571749"/>
+                <a:ext cx="9144000" cy="542264"/>
+              </a:xfrm>
+              <a:prstGeom prst="rect">
+                <a:avLst/>
+              </a:prstGeom>
+              <a:noFill/>
+            </p:spPr>
+            <p:txBody>
+              <a:bodyPr wrap="square" rtlCol="0">
+                <a:spAutoFit/>
+              </a:bodyPr>
+              <a:lstStyle/>
+              <a:p>
+                <a:pPr algn="ctr"/>
+                <a:r>
+                  <a:rPr lang="pl-PL" sz="2000" dirty="0">
+                    <a:solidFill>
+                      <a:schemeClr val="tx1"/>
+                    </a:solidFill>
+                    <a:latin typeface="Cambria Math" panose="02040503050406030204" pitchFamily="18" charset="0"/>
+                    <a:ea typeface="Cambria Math" panose="02040503050406030204" pitchFamily="18" charset="0"/>
+                  </a:rPr>
+                  <a:t>E </a:t>
+                </a:r>
+                <a14:m>
+                  <m:oMath xmlns:m="http://schemas.openxmlformats.org/officeDocument/2006/math">
+                    <m:r>
+                      <a:rPr lang="pl-PL" sz="2000" b="0" i="0" smtClean="0">
+                        <a:solidFill>
+                          <a:schemeClr val="tx1"/>
+                        </a:solidFill>
+                        <a:latin typeface="Cambria Math" panose="02040503050406030204" pitchFamily="18" charset="0"/>
+                        <a:ea typeface="Cambria Math" panose="02040503050406030204" pitchFamily="18" charset="0"/>
+                      </a:rPr>
+                      <m:t>=  </m:t>
+                    </m:r>
+                    <m:f>
+                      <m:fPr>
+                        <m:ctrlPr>
+                          <a:rPr lang="pl-PL" sz="2000" b="0" smtClean="0">
+                            <a:solidFill>
+                              <a:schemeClr val="tx1"/>
+                            </a:solidFill>
+                            <a:latin typeface="Cambria Math" panose="02040503050406030204" pitchFamily="18" charset="0"/>
+                            <a:ea typeface="Cambria Math" panose="02040503050406030204" pitchFamily="18" charset="0"/>
+                          </a:rPr>
+                        </m:ctrlPr>
+                      </m:fPr>
+                      <m:num>
+                        <m:r>
+                          <m:rPr>
+                            <m:sty m:val="p"/>
+                          </m:rPr>
+                          <a:rPr lang="pl-PL" sz="2000" b="0" i="0" smtClean="0">
+                            <a:solidFill>
+                              <a:schemeClr val="tx1"/>
+                            </a:solidFill>
+                            <a:latin typeface="Cambria Math" panose="02040503050406030204" pitchFamily="18" charset="0"/>
+                            <a:ea typeface="Cambria Math" panose="02040503050406030204" pitchFamily="18" charset="0"/>
+                          </a:rPr>
+                          <m:t>kq</m:t>
+                        </m:r>
+                      </m:num>
+                      <m:den>
+                        <m:sSup>
+                          <m:sSupPr>
+                            <m:ctrlPr>
+                              <a:rPr lang="pl-PL" sz="2000" b="0" smtClean="0">
+                                <a:solidFill>
+                                  <a:schemeClr val="tx1"/>
+                                </a:solidFill>
+                                <a:latin typeface="Cambria Math" panose="02040503050406030204" pitchFamily="18" charset="0"/>
+                                <a:ea typeface="Cambria Math" panose="02040503050406030204" pitchFamily="18" charset="0"/>
+                              </a:rPr>
+                            </m:ctrlPr>
+                          </m:sSupPr>
+                          <m:e>
+                            <m:r>
+                              <m:rPr>
+                                <m:sty m:val="p"/>
+                              </m:rPr>
+                              <a:rPr lang="pl-PL" sz="2000" b="0" i="0" smtClean="0">
+                                <a:solidFill>
+                                  <a:schemeClr val="tx1"/>
+                                </a:solidFill>
+                                <a:latin typeface="Cambria Math" panose="02040503050406030204" pitchFamily="18" charset="0"/>
+                                <a:ea typeface="Cambria Math" panose="02040503050406030204" pitchFamily="18" charset="0"/>
+                              </a:rPr>
+                              <m:t>r</m:t>
+                            </m:r>
+                          </m:e>
+                          <m:sup>
+                            <m:r>
+                              <a:rPr lang="pl-PL" sz="2000" b="0" i="0" smtClean="0">
+                                <a:solidFill>
+                                  <a:schemeClr val="tx1"/>
+                                </a:solidFill>
+                                <a:latin typeface="Cambria Math" panose="02040503050406030204" pitchFamily="18" charset="0"/>
+                                <a:ea typeface="Cambria Math" panose="02040503050406030204" pitchFamily="18" charset="0"/>
+                              </a:rPr>
+                              <m:t>2</m:t>
+                            </m:r>
+                          </m:sup>
+                        </m:sSup>
+                      </m:den>
+                    </m:f>
+                  </m:oMath>
+                </a14:m>
+                <a:endParaRPr lang="pl-PL" sz="2000" dirty="0">
+                  <a:latin typeface="Cambria Math" panose="02040503050406030204" pitchFamily="18" charset="0"/>
+                  <a:ea typeface="Cambria Math" panose="02040503050406030204" pitchFamily="18" charset="0"/>
+                </a:endParaRPr>
+              </a:p>
+            </p:txBody>
+          </p:sp>
+        </mc:Choice>
+        <mc:Fallback>
+          <p:sp>
+            <p:nvSpPr>
+              <p:cNvPr id="3" name="pole tekstowe 2">
+                <a:extLst>
+                  <a:ext uri="{FF2B5EF4-FFF2-40B4-BE49-F238E27FC236}">
+                    <a16:creationId xmlns:a16="http://schemas.microsoft.com/office/drawing/2014/main" id="{E84855F0-748A-C361-103C-331899696051}"/>
+                  </a:ext>
+                </a:extLst>
+              </p:cNvPr>
+              <p:cNvSpPr txBox="1">
+                <a:spLocks noRot="1" noChangeAspect="1" noMove="1" noResize="1" noEditPoints="1" noAdjustHandles="1" noChangeArrowheads="1" noChangeShapeType="1" noTextEdit="1"/>
+              </p:cNvSpPr>
+              <p:nvPr/>
+            </p:nvSpPr>
+            <p:spPr>
+              <a:xfrm>
+                <a:off x="0" y="2571749"/>
+                <a:ext cx="9144000" cy="542264"/>
+              </a:xfrm>
+              <a:prstGeom prst="rect">
+                <a:avLst/>
+              </a:prstGeom>
+              <a:blipFill>
+                <a:blip r:embed="rId5"/>
+                <a:stretch>
+                  <a:fillRect b="-5618"/>
+                </a:stretch>
+              </a:blipFill>
+            </p:spPr>
+            <p:txBody>
+              <a:bodyPr/>
+              <a:lstStyle/>
+              <a:p>
+                <a:r>
+                  <a:rPr lang="pl-PL">
+                    <a:noFill/>
+                  </a:rPr>
+                  <a:t> </a:t>
+                </a:r>
+              </a:p>
+            </p:txBody>
+          </p:sp>
+        </mc:Fallback>
+      </mc:AlternateContent>
     </p:spTree>
   </p:cSld>
   <p:clrMapOvr>
@@ -8600,58 +8815,96 @@
       </p:sp>
       <p:pic>
         <p:nvPicPr>
-          <p:cNvPr id="88" name="Google Shape;88;p17"/>
-          <p:cNvPicPr preferRelativeResize="0"/>
+          <p:cNvPr id="1026" name="Picture 2">
+            <a:extLst>
+              <a:ext uri="{FF2B5EF4-FFF2-40B4-BE49-F238E27FC236}">
+                <a16:creationId xmlns:a16="http://schemas.microsoft.com/office/drawing/2014/main" id="{DFA2FC15-1B64-280D-8136-ACD8F7E78B96}"/>
+              </a:ext>
+            </a:extLst>
+          </p:cNvPr>
+          <p:cNvPicPr>
+            <a:picLocks noChangeAspect="1" noChangeArrowheads="1"/>
+          </p:cNvPicPr>
           <p:nvPr/>
         </p:nvPicPr>
         <p:blipFill>
           <a:blip r:embed="rId3">
-            <a:alphaModFix/>
+            <a:extLst>
+              <a:ext uri="{28A0092B-C50C-407E-A947-70E740481C1C}">
+                <a14:useLocalDpi xmlns:a14="http://schemas.microsoft.com/office/drawing/2010/main" val="0"/>
+              </a:ext>
+            </a:extLst>
           </a:blip>
+          <a:srcRect/>
           <a:stretch>
             <a:fillRect/>
           </a:stretch>
         </p:blipFill>
-        <p:spPr>
+        <p:spPr bwMode="auto">
           <a:xfrm>
-            <a:off x="229350" y="947700"/>
-            <a:ext cx="4163075" cy="3530288"/>
+            <a:off x="98533" y="871373"/>
+            <a:ext cx="4274288" cy="3682963"/>
           </a:xfrm>
           <a:prstGeom prst="rect">
             <a:avLst/>
           </a:prstGeom>
           <a:noFill/>
-          <a:ln>
-            <a:noFill/>
-          </a:ln>
+          <a:extLst>
+            <a:ext uri="{909E8E84-426E-40DD-AFC4-6F175D3DCCD1}">
+              <a14:hiddenFill xmlns:a14="http://schemas.microsoft.com/office/drawing/2010/main">
+                <a:solidFill>
+                  <a:srgbClr val="FFFFFF"/>
+                </a:solidFill>
+              </a14:hiddenFill>
+            </a:ext>
+          </a:extLst>
         </p:spPr>
       </p:pic>
       <p:pic>
         <p:nvPicPr>
-          <p:cNvPr id="89" name="Google Shape;89;p17"/>
-          <p:cNvPicPr preferRelativeResize="0"/>
+          <p:cNvPr id="1028" name="Picture 4">
+            <a:extLst>
+              <a:ext uri="{FF2B5EF4-FFF2-40B4-BE49-F238E27FC236}">
+                <a16:creationId xmlns:a16="http://schemas.microsoft.com/office/drawing/2014/main" id="{DAE2B663-29B9-8E90-A1B1-83A21FF9A83A}"/>
+              </a:ext>
+            </a:extLst>
+          </p:cNvPr>
+          <p:cNvPicPr>
+            <a:picLocks noChangeAspect="1" noChangeArrowheads="1"/>
+          </p:cNvPicPr>
           <p:nvPr/>
         </p:nvPicPr>
         <p:blipFill>
           <a:blip r:embed="rId4">
-            <a:alphaModFix/>
+            <a:extLst>
+              <a:ext uri="{28A0092B-C50C-407E-A947-70E740481C1C}">
+                <a14:useLocalDpi xmlns:a14="http://schemas.microsoft.com/office/drawing/2010/main" val="0"/>
+              </a:ext>
+            </a:extLst>
           </a:blip>
+          <a:srcRect/>
           <a:stretch>
             <a:fillRect/>
           </a:stretch>
         </p:blipFill>
-        <p:spPr>
+        <p:spPr bwMode="auto">
           <a:xfrm>
-            <a:off x="4669225" y="928075"/>
-            <a:ext cx="4163075" cy="3569560"/>
+            <a:off x="4656545" y="871373"/>
+            <a:ext cx="4175755" cy="3682964"/>
           </a:xfrm>
           <a:prstGeom prst="rect">
             <a:avLst/>
           </a:prstGeom>
           <a:noFill/>
-          <a:ln>
-            <a:noFill/>
-          </a:ln>
+          <a:extLst>
+            <a:ext uri="{909E8E84-426E-40DD-AFC4-6F175D3DCCD1}">
+              <a14:hiddenFill xmlns:a14="http://schemas.microsoft.com/office/drawing/2010/main">
+                <a:solidFill>
+                  <a:srgbClr val="FFFFFF"/>
+                </a:solidFill>
+              </a14:hiddenFill>
+            </a:ext>
+          </a:extLst>
         </p:spPr>
       </p:pic>
     </p:spTree>
@@ -8772,144 +9025,235 @@
           </a:p>
         </p:txBody>
       </p:sp>
-      <p:sp>
-        <p:nvSpPr>
-          <p:cNvPr id="67" name="Google Shape;67;p15"/>
-          <p:cNvSpPr txBox="1"/>
-          <p:nvPr/>
-        </p:nvSpPr>
-        <p:spPr>
-          <a:xfrm>
-            <a:off x="311700" y="3741950"/>
-            <a:ext cx="7780500" cy="1190100"/>
-          </a:xfrm>
-          <a:prstGeom prst="rect">
-            <a:avLst/>
-          </a:prstGeom>
-          <a:noFill/>
-          <a:ln>
-            <a:noFill/>
-          </a:ln>
-        </p:spPr>
-        <p:txBody>
-          <a:bodyPr spcFirstLastPara="1" wrap="square" lIns="91425" tIns="91425" rIns="91425" bIns="91425" anchor="t" anchorCtr="0">
-            <a:noAutofit/>
-          </a:bodyPr>
-          <a:lstStyle/>
-          <a:p>
-            <a:pPr marL="0" lvl="0" indent="0" algn="l" rtl="0">
-              <a:spcBef>
-                <a:spcPts val="0"/>
-              </a:spcBef>
-              <a:spcAft>
-                <a:spcPts val="0"/>
-              </a:spcAft>
-              <a:buNone/>
-            </a:pPr>
-            <a:r>
-              <a:rPr lang="pl" sz="1800" dirty="0">
-                <a:solidFill>
-                  <a:srgbClr val="F3F3F3"/>
-                </a:solidFill>
-              </a:rPr>
-              <a:t>Wartości, dla których będą przeprowadzane obliczenia:</a:t>
-            </a:r>
-            <a:endParaRPr sz="1800" dirty="0">
-              <a:solidFill>
-                <a:srgbClr val="F3F3F3"/>
-              </a:solidFill>
-            </a:endParaRPr>
-          </a:p>
-          <a:p>
-            <a:pPr marL="0" lvl="0" indent="0" algn="l" rtl="0">
-              <a:spcBef>
-                <a:spcPts val="0"/>
-              </a:spcBef>
-              <a:spcAft>
-                <a:spcPts val="0"/>
-              </a:spcAft>
-              <a:buNone/>
-            </a:pPr>
-            <a:r>
-              <a:rPr lang="pl" sz="1800" dirty="0">
-                <a:solidFill>
-                  <a:srgbClr val="F3F3F3"/>
-                </a:solidFill>
-              </a:rPr>
-              <a:t>promień - r = 9 m</a:t>
-            </a:r>
-            <a:endParaRPr sz="1800" dirty="0">
-              <a:solidFill>
-                <a:srgbClr val="F3F3F3"/>
-              </a:solidFill>
-            </a:endParaRPr>
-          </a:p>
-          <a:p>
-            <a:pPr marL="0" lvl="0" indent="0" algn="l" rtl="0">
-              <a:spcBef>
-                <a:spcPts val="0"/>
-              </a:spcBef>
-              <a:spcAft>
-                <a:spcPts val="0"/>
-              </a:spcAft>
-              <a:buNone/>
-            </a:pPr>
-            <a:r>
-              <a:rPr lang="pl" sz="1800" dirty="0">
-                <a:solidFill>
-                  <a:srgbClr val="F3F3F3"/>
-                </a:solidFill>
-              </a:rPr>
-              <a:t>całkowity ładunek koła - Q = 10</a:t>
-            </a:r>
-            <a:r>
-              <a:rPr lang="pl" sz="1800" baseline="30000" dirty="0">
-                <a:solidFill>
-                  <a:srgbClr val="F3F3F3"/>
-                </a:solidFill>
-              </a:rPr>
-              <a:t>-9</a:t>
-            </a:r>
-            <a:r>
-              <a:rPr lang="pl" sz="1800" dirty="0">
-                <a:solidFill>
-                  <a:srgbClr val="F3F3F3"/>
-                </a:solidFill>
-              </a:rPr>
-              <a:t> C</a:t>
-            </a:r>
-            <a:endParaRPr sz="1800" dirty="0">
-              <a:solidFill>
-                <a:srgbClr val="F3F3F3"/>
-              </a:solidFill>
-            </a:endParaRPr>
-          </a:p>
-          <a:p>
-            <a:pPr marL="0" lvl="0" indent="0" algn="l" rtl="0">
-              <a:spcBef>
-                <a:spcPts val="0"/>
-              </a:spcBef>
-              <a:spcAft>
-                <a:spcPts val="0"/>
-              </a:spcAft>
-              <a:buNone/>
-            </a:pPr>
-            <a:r>
-              <a:rPr lang="pl" sz="1800" dirty="0">
-                <a:solidFill>
-                  <a:srgbClr val="F3F3F3"/>
-                </a:solidFill>
-              </a:rPr>
-              <a:t>  </a:t>
-            </a:r>
-            <a:endParaRPr sz="1800" dirty="0">
-              <a:solidFill>
-                <a:srgbClr val="F3F3F3"/>
-              </a:solidFill>
-            </a:endParaRPr>
-          </a:p>
-        </p:txBody>
-      </p:sp>
+      <mc:AlternateContent xmlns:mc="http://schemas.openxmlformats.org/markup-compatibility/2006">
+        <mc:Choice xmlns:a14="http://schemas.microsoft.com/office/drawing/2010/main" Requires="a14">
+          <p:sp>
+            <p:nvSpPr>
+              <p:cNvPr id="67" name="Google Shape;67;p15"/>
+              <p:cNvSpPr txBox="1"/>
+              <p:nvPr/>
+            </p:nvSpPr>
+            <p:spPr>
+              <a:xfrm>
+                <a:off x="311700" y="3741950"/>
+                <a:ext cx="7780500" cy="1190100"/>
+              </a:xfrm>
+              <a:prstGeom prst="rect">
+                <a:avLst/>
+              </a:prstGeom>
+              <a:noFill/>
+              <a:ln>
+                <a:noFill/>
+              </a:ln>
+            </p:spPr>
+            <p:txBody>
+              <a:bodyPr spcFirstLastPara="1" wrap="square" lIns="91425" tIns="91425" rIns="91425" bIns="91425" anchor="t" anchorCtr="0">
+                <a:noAutofit/>
+              </a:bodyPr>
+              <a:lstStyle/>
+              <a:p>
+                <a:pPr marL="0" lvl="0" indent="0" algn="l" rtl="0">
+                  <a:spcBef>
+                    <a:spcPts val="0"/>
+                  </a:spcBef>
+                  <a:spcAft>
+                    <a:spcPts val="0"/>
+                  </a:spcAft>
+                  <a:buNone/>
+                </a:pPr>
+                <a:r>
+                  <a:rPr lang="pl-PL" sz="1800" dirty="0">
+                    <a:solidFill>
+                      <a:srgbClr val="F3F3F3"/>
+                    </a:solidFill>
+                  </a:rPr>
+                  <a:t>Wartości, dla których będą przeprowadzane obliczenia:</a:t>
+                </a:r>
+              </a:p>
+              <a:p>
+                <a:r>
+                  <a:rPr lang="pl-PL" sz="1800" dirty="0">
+                    <a:solidFill>
+                      <a:srgbClr val="F3F3F3"/>
+                    </a:solidFill>
+                  </a:rPr>
+                  <a:t>promień - r = 9 </a:t>
+                </a:r>
+                <a14:m>
+                  <m:oMath xmlns:m="http://schemas.openxmlformats.org/officeDocument/2006/math">
+                    <m:r>
+                      <a:rPr lang="pl-PL" sz="1800" b="0" i="1" dirty="0" smtClean="0">
+                        <a:solidFill>
+                          <a:srgbClr val="F3F3F3"/>
+                        </a:solidFill>
+                        <a:latin typeface="Cambria Math" panose="02040503050406030204" pitchFamily="18" charset="0"/>
+                      </a:rPr>
+                      <m:t>𝑚</m:t>
+                    </m:r>
+                  </m:oMath>
+                </a14:m>
+                <a:endParaRPr lang="pl-PL" sz="1800" dirty="0">
+                  <a:solidFill>
+                    <a:srgbClr val="F3F3F3"/>
+                  </a:solidFill>
+                </a:endParaRPr>
+              </a:p>
+              <a:p>
+                <a:pPr lvl="0"/>
+                <a:r>
+                  <a:rPr lang="pl-PL" sz="1800" dirty="0">
+                    <a:solidFill>
+                      <a:srgbClr val="F3F3F3"/>
+                    </a:solidFill>
+                  </a:rPr>
+                  <a:t>całkowity ładunek koła - Q = </a:t>
+                </a:r>
+                <a14:m>
+                  <m:oMath xmlns:m="http://schemas.openxmlformats.org/officeDocument/2006/math">
+                    <m:sSup>
+                      <m:sSupPr>
+                        <m:ctrlPr>
+                          <a:rPr lang="ar-AE" sz="1800" i="1">
+                            <a:solidFill>
+                              <a:srgbClr val="F3F3F3"/>
+                            </a:solidFill>
+                            <a:latin typeface="Cambria Math" panose="02040503050406030204" pitchFamily="18" charset="0"/>
+                          </a:rPr>
+                        </m:ctrlPr>
+                      </m:sSupPr>
+                      <m:e>
+                        <m:r>
+                          <a:rPr lang="ar-AE" sz="1800" i="1">
+                            <a:solidFill>
+                              <a:srgbClr val="F3F3F3"/>
+                            </a:solidFill>
+                            <a:latin typeface="Cambria Math" panose="02040503050406030204" pitchFamily="18" charset="0"/>
+                          </a:rPr>
+                          <m:t>10</m:t>
+                        </m:r>
+                      </m:e>
+                      <m:sup>
+                        <m:r>
+                          <a:rPr lang="ar-AE" sz="1800" b="0" i="1" smtClean="0">
+                            <a:solidFill>
+                              <a:srgbClr val="F3F3F3"/>
+                            </a:solidFill>
+                            <a:latin typeface="Cambria Math" panose="02040503050406030204" pitchFamily="18" charset="0"/>
+                          </a:rPr>
+                          <m:t>−</m:t>
+                        </m:r>
+                        <m:r>
+                          <a:rPr lang="ar-AE" sz="1800" i="1">
+                            <a:solidFill>
+                              <a:srgbClr val="F3F3F3"/>
+                            </a:solidFill>
+                            <a:latin typeface="Cambria Math" panose="02040503050406030204" pitchFamily="18" charset="0"/>
+                          </a:rPr>
+                          <m:t>9</m:t>
+                        </m:r>
+                      </m:sup>
+                    </m:sSup>
+                  </m:oMath>
+                </a14:m>
+                <a:r>
+                  <a:rPr lang="ar-AE" sz="1800" dirty="0">
+                    <a:solidFill>
+                      <a:srgbClr val="F3F3F3"/>
+                    </a:solidFill>
+                  </a:rPr>
+                  <a:t> </a:t>
+                </a:r>
+                <a14:m>
+                  <m:oMath xmlns:m="http://schemas.openxmlformats.org/officeDocument/2006/math">
+                    <m:r>
+                      <m:rPr>
+                        <m:sty m:val="p"/>
+                      </m:rPr>
+                      <a:rPr lang="pl-PL" sz="1800" b="0" i="0" smtClean="0">
+                        <a:solidFill>
+                          <a:srgbClr val="F3F3F3"/>
+                        </a:solidFill>
+                        <a:latin typeface="Cambria Math" panose="02040503050406030204" pitchFamily="18" charset="0"/>
+                      </a:rPr>
+                      <m:t>C</m:t>
+                    </m:r>
+                  </m:oMath>
+                </a14:m>
+                <a:endParaRPr lang="pl-PL" sz="1800" dirty="0">
+                  <a:solidFill>
+                    <a:srgbClr val="F3F3F3"/>
+                  </a:solidFill>
+                </a:endParaRPr>
+              </a:p>
+              <a:p>
+                <a:pPr marL="0" lvl="0" indent="0" algn="l" rtl="0">
+                  <a:spcBef>
+                    <a:spcPts val="0"/>
+                  </a:spcBef>
+                  <a:spcAft>
+                    <a:spcPts val="0"/>
+                  </a:spcAft>
+                  <a:buNone/>
+                </a:pPr>
+                <a:r>
+                  <a:rPr lang="pl-PL" sz="1800" dirty="0">
+                    <a:solidFill>
+                      <a:srgbClr val="F3F3F3"/>
+                    </a:solidFill>
+                  </a:rPr>
+                  <a:t>  </a:t>
+                </a:r>
+                <a:endParaRPr sz="1800" dirty="0">
+                  <a:solidFill>
+                    <a:srgbClr val="F3F3F3"/>
+                  </a:solidFill>
+                </a:endParaRPr>
+              </a:p>
+            </p:txBody>
+          </p:sp>
+        </mc:Choice>
+        <mc:Fallback>
+          <p:sp>
+            <p:nvSpPr>
+              <p:cNvPr id="67" name="Google Shape;67;p15"/>
+              <p:cNvSpPr txBox="1">
+                <a:spLocks noRot="1" noChangeAspect="1" noMove="1" noResize="1" noEditPoints="1" noAdjustHandles="1" noChangeArrowheads="1" noChangeShapeType="1" noTextEdit="1"/>
+              </p:cNvSpPr>
+              <p:nvPr/>
+            </p:nvSpPr>
+            <p:spPr>
+              <a:xfrm>
+                <a:off x="311700" y="3741950"/>
+                <a:ext cx="7780500" cy="1190100"/>
+              </a:xfrm>
+              <a:prstGeom prst="rect">
+                <a:avLst/>
+              </a:prstGeom>
+              <a:blipFill>
+                <a:blip r:embed="rId3"/>
+                <a:stretch>
+                  <a:fillRect l="-627"/>
+                </a:stretch>
+              </a:blipFill>
+              <a:ln>
+                <a:noFill/>
+              </a:ln>
+            </p:spPr>
+            <p:txBody>
+              <a:bodyPr/>
+              <a:lstStyle/>
+              <a:p>
+                <a:r>
+                  <a:rPr lang="pl-PL">
+                    <a:noFill/>
+                  </a:rPr>
+                  <a:t> </a:t>
+                </a:r>
+              </a:p>
+            </p:txBody>
+          </p:sp>
+        </mc:Fallback>
+      </mc:AlternateContent>
     </p:spTree>
   </p:cSld>
   <p:clrMapOvr>
@@ -9024,157 +9368,479 @@
           </a:p>
         </p:txBody>
       </p:sp>
-      <p:sp>
-        <p:nvSpPr>
-          <p:cNvPr id="96" name="Google Shape;96;p18"/>
-          <p:cNvSpPr txBox="1"/>
-          <p:nvPr/>
-        </p:nvSpPr>
-        <p:spPr>
-          <a:xfrm>
-            <a:off x="281343" y="3491836"/>
-            <a:ext cx="5162400" cy="1018200"/>
-          </a:xfrm>
-          <a:prstGeom prst="rect">
-            <a:avLst/>
-          </a:prstGeom>
-          <a:noFill/>
-          <a:ln>
-            <a:noFill/>
-          </a:ln>
-        </p:spPr>
-        <p:txBody>
-          <a:bodyPr spcFirstLastPara="1" wrap="square" lIns="91425" tIns="91425" rIns="91425" bIns="91425" anchor="t" anchorCtr="0">
-            <a:noAutofit/>
-          </a:bodyPr>
-          <a:lstStyle/>
-          <a:p>
-            <a:pPr marL="0" lvl="0" indent="0" algn="l" rtl="0">
-              <a:lnSpc>
-                <a:spcPct val="115000"/>
-              </a:lnSpc>
-              <a:spcBef>
-                <a:spcPts val="0"/>
-              </a:spcBef>
-              <a:spcAft>
-                <a:spcPts val="1200"/>
-              </a:spcAft>
-              <a:buNone/>
-            </a:pPr>
-            <a:r>
-              <a:rPr lang="pl" sz="1800" dirty="0">
-                <a:solidFill>
-                  <a:srgbClr val="F3F3F3"/>
-                </a:solidFill>
-              </a:rPr>
-              <a:t>Po podstawieniu serii próbnych wartości Rz z przedziału od 1 do 30 metrów otrzymujemy odpowiedni wykres:</a:t>
-            </a:r>
-            <a:endParaRPr sz="1800" dirty="0">
-              <a:solidFill>
-                <a:schemeClr val="lt2"/>
-              </a:solidFill>
-            </a:endParaRPr>
-          </a:p>
-        </p:txBody>
-      </p:sp>
-      <p:sp>
-        <p:nvSpPr>
-          <p:cNvPr id="97" name="Google Shape;97;p18"/>
-          <p:cNvSpPr txBox="1"/>
-          <p:nvPr/>
-        </p:nvSpPr>
-        <p:spPr>
-          <a:xfrm>
-            <a:off x="1364246" y="1142564"/>
-            <a:ext cx="3054300" cy="449700"/>
-          </a:xfrm>
-          <a:prstGeom prst="rect">
-            <a:avLst/>
-          </a:prstGeom>
-          <a:noFill/>
-          <a:ln>
-            <a:noFill/>
-          </a:ln>
-        </p:spPr>
-        <p:txBody>
-          <a:bodyPr spcFirstLastPara="1" wrap="square" lIns="91425" tIns="91425" rIns="91425" bIns="91425" anchor="t" anchorCtr="0">
-            <a:noAutofit/>
-          </a:bodyPr>
-          <a:lstStyle/>
-          <a:p>
-            <a:pPr marL="0" lvl="0" indent="0" algn="l" rtl="0">
-              <a:spcBef>
-                <a:spcPts val="0"/>
-              </a:spcBef>
-              <a:spcAft>
-                <a:spcPts val="0"/>
-              </a:spcAft>
-              <a:buNone/>
-            </a:pPr>
-            <a:r>
-              <a:rPr lang="pl" sz="1800" dirty="0">
-                <a:solidFill>
-                  <a:srgbClr val="F3F3F3"/>
-                </a:solidFill>
-              </a:rPr>
-              <a:t>Vp = k2πσ(√(z</a:t>
-            </a:r>
-            <a:r>
-              <a:rPr lang="pl" sz="1800" baseline="30000" dirty="0">
-                <a:solidFill>
-                  <a:srgbClr val="F3F3F3"/>
-                </a:solidFill>
-              </a:rPr>
-              <a:t>2</a:t>
-            </a:r>
-            <a:r>
-              <a:rPr lang="pl" sz="1800" dirty="0">
-                <a:solidFill>
-                  <a:srgbClr val="F3F3F3"/>
-                </a:solidFill>
-              </a:rPr>
-              <a:t> + R</a:t>
-            </a:r>
-            <a:r>
-              <a:rPr lang="pl" sz="1800" baseline="30000" dirty="0">
-                <a:solidFill>
-                  <a:srgbClr val="F3F3F3"/>
-                </a:solidFill>
-              </a:rPr>
-              <a:t>2</a:t>
-            </a:r>
-            <a:r>
-              <a:rPr lang="pl" sz="1800" dirty="0">
-                <a:solidFill>
-                  <a:srgbClr val="F3F3F3"/>
-                </a:solidFill>
-              </a:rPr>
-              <a:t>) - √z</a:t>
-            </a:r>
-            <a:r>
-              <a:rPr lang="pl" sz="1800" baseline="30000" dirty="0">
-                <a:solidFill>
-                  <a:srgbClr val="F3F3F3"/>
-                </a:solidFill>
-              </a:rPr>
-              <a:t>2</a:t>
-            </a:r>
-            <a:r>
-              <a:rPr lang="pl" sz="1800" dirty="0">
-                <a:solidFill>
-                  <a:srgbClr val="F3F3F3"/>
-                </a:solidFill>
-              </a:rPr>
-              <a:t>)</a:t>
-            </a:r>
-            <a:endParaRPr sz="1800" dirty="0">
-              <a:solidFill>
-                <a:schemeClr val="lt2"/>
-              </a:solidFill>
-            </a:endParaRPr>
-          </a:p>
-        </p:txBody>
-      </p:sp>
+      <mc:AlternateContent xmlns:mc="http://schemas.openxmlformats.org/markup-compatibility/2006">
+        <mc:Choice xmlns:a14="http://schemas.microsoft.com/office/drawing/2010/main" Requires="a14">
+          <p:sp>
+            <p:nvSpPr>
+              <p:cNvPr id="96" name="Google Shape;96;p18"/>
+              <p:cNvSpPr txBox="1"/>
+              <p:nvPr/>
+            </p:nvSpPr>
+            <p:spPr>
+              <a:xfrm>
+                <a:off x="281343" y="3491836"/>
+                <a:ext cx="5162400" cy="1018200"/>
+              </a:xfrm>
+              <a:prstGeom prst="rect">
+                <a:avLst/>
+              </a:prstGeom>
+              <a:noFill/>
+              <a:ln>
+                <a:noFill/>
+              </a:ln>
+            </p:spPr>
+            <p:txBody>
+              <a:bodyPr spcFirstLastPara="1" wrap="square" lIns="91425" tIns="91425" rIns="91425" bIns="91425" anchor="t" anchorCtr="0">
+                <a:noAutofit/>
+              </a:bodyPr>
+              <a:lstStyle/>
+              <a:p>
+                <a:pPr marL="0" lvl="0" indent="0" algn="l" rtl="0">
+                  <a:lnSpc>
+                    <a:spcPct val="115000"/>
+                  </a:lnSpc>
+                  <a:spcBef>
+                    <a:spcPts val="0"/>
+                  </a:spcBef>
+                  <a:spcAft>
+                    <a:spcPts val="1200"/>
+                  </a:spcAft>
+                  <a:buNone/>
+                </a:pPr>
+                <a:r>
+                  <a:rPr lang="pl" sz="1800" dirty="0">
+                    <a:solidFill>
+                      <a:srgbClr val="F3F3F3"/>
+                    </a:solidFill>
+                  </a:rPr>
+                  <a:t>Po podstawieniu serii próbnych wartości </a:t>
+                </a:r>
+                <a14:m>
+                  <m:oMath xmlns:m="http://schemas.openxmlformats.org/officeDocument/2006/math">
+                    <m:sSub>
+                      <m:sSubPr>
+                        <m:ctrlPr>
+                          <a:rPr lang="pl" sz="1800" i="1" smtClean="0">
+                            <a:solidFill>
+                              <a:srgbClr val="F3F3F3"/>
+                            </a:solidFill>
+                            <a:latin typeface="Cambria Math" panose="02040503050406030204" pitchFamily="18" charset="0"/>
+                          </a:rPr>
+                        </m:ctrlPr>
+                      </m:sSubPr>
+                      <m:e>
+                        <m:r>
+                          <a:rPr lang="pl-PL" sz="1800" b="0" i="1" smtClean="0">
+                            <a:solidFill>
+                              <a:srgbClr val="F3F3F3"/>
+                            </a:solidFill>
+                            <a:latin typeface="Cambria Math" panose="02040503050406030204" pitchFamily="18" charset="0"/>
+                          </a:rPr>
+                          <m:t>𝑅</m:t>
+                        </m:r>
+                      </m:e>
+                      <m:sub>
+                        <m:r>
+                          <a:rPr lang="pl-PL" sz="1800" b="0" i="1" smtClean="0">
+                            <a:solidFill>
+                              <a:srgbClr val="F3F3F3"/>
+                            </a:solidFill>
+                            <a:latin typeface="Cambria Math" panose="02040503050406030204" pitchFamily="18" charset="0"/>
+                          </a:rPr>
+                          <m:t>𝑧</m:t>
+                        </m:r>
+                      </m:sub>
+                    </m:sSub>
+                  </m:oMath>
+                </a14:m>
+                <a:r>
+                  <a:rPr lang="pl" sz="1800" dirty="0">
+                    <a:solidFill>
+                      <a:srgbClr val="F3F3F3"/>
+                    </a:solidFill>
+                  </a:rPr>
+                  <a:t> z przedziału od 1 do 30 metrów otrzymujemy odpowiedni wykres:</a:t>
+                </a:r>
+                <a:endParaRPr sz="1800" dirty="0">
+                  <a:solidFill>
+                    <a:schemeClr val="lt2"/>
+                  </a:solidFill>
+                </a:endParaRPr>
+              </a:p>
+            </p:txBody>
+          </p:sp>
+        </mc:Choice>
+        <mc:Fallback>
+          <p:sp>
+            <p:nvSpPr>
+              <p:cNvPr id="96" name="Google Shape;96;p18"/>
+              <p:cNvSpPr txBox="1">
+                <a:spLocks noRot="1" noChangeAspect="1" noMove="1" noResize="1" noEditPoints="1" noAdjustHandles="1" noChangeArrowheads="1" noChangeShapeType="1" noTextEdit="1"/>
+              </p:cNvSpPr>
+              <p:nvPr/>
+            </p:nvSpPr>
+            <p:spPr>
+              <a:xfrm>
+                <a:off x="281343" y="3491836"/>
+                <a:ext cx="5162400" cy="1018200"/>
+              </a:xfrm>
+              <a:prstGeom prst="rect">
+                <a:avLst/>
+              </a:prstGeom>
+              <a:blipFill>
+                <a:blip r:embed="rId3"/>
+                <a:stretch>
+                  <a:fillRect l="-945" b="-13174"/>
+                </a:stretch>
+              </a:blipFill>
+              <a:ln>
+                <a:noFill/>
+              </a:ln>
+            </p:spPr>
+            <p:txBody>
+              <a:bodyPr/>
+              <a:lstStyle/>
+              <a:p>
+                <a:r>
+                  <a:rPr lang="pl-PL">
+                    <a:noFill/>
+                  </a:rPr>
+                  <a:t> </a:t>
+                </a:r>
+              </a:p>
+            </p:txBody>
+          </p:sp>
+        </mc:Fallback>
+      </mc:AlternateContent>
+      <mc:AlternateContent xmlns:mc="http://schemas.openxmlformats.org/markup-compatibility/2006">
+        <mc:Choice xmlns:a14="http://schemas.microsoft.com/office/drawing/2010/main" Requires="a14">
+          <p:sp>
+            <p:nvSpPr>
+              <p:cNvPr id="97" name="Google Shape;97;p18"/>
+              <p:cNvSpPr txBox="1"/>
+              <p:nvPr/>
+            </p:nvSpPr>
+            <p:spPr>
+              <a:xfrm>
+                <a:off x="1297172" y="1142564"/>
+                <a:ext cx="3121374" cy="543364"/>
+              </a:xfrm>
+              <a:prstGeom prst="rect">
+                <a:avLst/>
+              </a:prstGeom>
+              <a:noFill/>
+              <a:ln>
+                <a:noFill/>
+              </a:ln>
+            </p:spPr>
+            <p:txBody>
+              <a:bodyPr spcFirstLastPara="1" wrap="square" lIns="91425" tIns="91425" rIns="91425" bIns="91425" anchor="t" anchorCtr="0">
+                <a:noAutofit/>
+              </a:bodyPr>
+              <a:lstStyle/>
+              <a:p>
+                <a:pPr lvl="0"/>
+                <a14:m>
+                  <m:oMath xmlns:m="http://schemas.openxmlformats.org/officeDocument/2006/math">
+                    <m:sSub>
+                      <m:sSubPr>
+                        <m:ctrlPr>
+                          <a:rPr lang="pl-PL" sz="1800" i="1" smtClean="0">
+                            <a:solidFill>
+                              <a:schemeClr val="tx1"/>
+                            </a:solidFill>
+                            <a:latin typeface="Cambria Math" panose="02040503050406030204" pitchFamily="18" charset="0"/>
+                          </a:rPr>
+                        </m:ctrlPr>
+                      </m:sSubPr>
+                      <m:e>
+                        <m:r>
+                          <a:rPr lang="pl-PL" sz="1800" b="0" i="1" smtClean="0">
+                            <a:solidFill>
+                              <a:schemeClr val="tx1"/>
+                            </a:solidFill>
+                            <a:latin typeface="Cambria Math" panose="02040503050406030204" pitchFamily="18" charset="0"/>
+                          </a:rPr>
+                          <m:t>𝑉</m:t>
+                        </m:r>
+                      </m:e>
+                      <m:sub>
+                        <m:r>
+                          <a:rPr lang="pl-PL" sz="1800" b="0" i="1" smtClean="0">
+                            <a:solidFill>
+                              <a:schemeClr val="tx1"/>
+                            </a:solidFill>
+                            <a:latin typeface="Cambria Math" panose="02040503050406030204" pitchFamily="18" charset="0"/>
+                          </a:rPr>
+                          <m:t>𝑝</m:t>
+                        </m:r>
+                      </m:sub>
+                    </m:sSub>
+                    <m:r>
+                      <a:rPr lang="pl-PL" sz="1800" b="0" i="1" smtClean="0">
+                        <a:solidFill>
+                          <a:schemeClr val="tx1"/>
+                        </a:solidFill>
+                        <a:latin typeface="Cambria Math" panose="02040503050406030204" pitchFamily="18" charset="0"/>
+                      </a:rPr>
+                      <m:t>=</m:t>
+                    </m:r>
+                    <m:r>
+                      <a:rPr lang="pl-PL" sz="1800" b="0" i="1" smtClean="0">
+                        <a:solidFill>
+                          <a:schemeClr val="tx1"/>
+                        </a:solidFill>
+                        <a:latin typeface="Cambria Math" panose="02040503050406030204" pitchFamily="18" charset="0"/>
+                      </a:rPr>
+                      <m:t>𝑘</m:t>
+                    </m:r>
+                    <m:r>
+                      <a:rPr lang="pl-PL" sz="1800" b="0" i="1" smtClean="0">
+                        <a:solidFill>
+                          <a:schemeClr val="tx1"/>
+                        </a:solidFill>
+                        <a:latin typeface="Cambria Math" panose="02040503050406030204" pitchFamily="18" charset="0"/>
+                      </a:rPr>
+                      <m:t>2</m:t>
+                    </m:r>
+                    <m:r>
+                      <m:rPr>
+                        <m:nor/>
+                      </m:rPr>
+                      <a:rPr lang="pl" sz="1800" dirty="0">
+                        <a:solidFill>
+                          <a:schemeClr val="tx1"/>
+                        </a:solidFill>
+                        <a:latin typeface="Cambria Math" panose="02040503050406030204" pitchFamily="18" charset="0"/>
+                        <a:ea typeface="Cambria Math" panose="02040503050406030204" pitchFamily="18" charset="0"/>
+                      </a:rPr>
+                      <m:t>πσ</m:t>
+                    </m:r>
+                  </m:oMath>
+                </a14:m>
+                <a:r>
+                  <a:rPr lang="pl-PL" sz="1800" dirty="0">
+                    <a:solidFill>
+                      <a:schemeClr val="tx1"/>
+                    </a:solidFill>
+                  </a:rPr>
+                  <a:t>(</a:t>
+                </a:r>
+                <a14:m>
+                  <m:oMath xmlns:m="http://schemas.openxmlformats.org/officeDocument/2006/math">
+                    <m:rad>
+                      <m:radPr>
+                        <m:degHide m:val="on"/>
+                        <m:ctrlPr>
+                          <a:rPr lang="pl-PL" sz="1800" i="1" dirty="0" smtClean="0">
+                            <a:solidFill>
+                              <a:schemeClr val="tx1"/>
+                            </a:solidFill>
+                            <a:latin typeface="Cambria Math" panose="02040503050406030204" pitchFamily="18" charset="0"/>
+                          </a:rPr>
+                        </m:ctrlPr>
+                      </m:radPr>
+                      <m:deg/>
+                      <m:e>
+                        <m:sSup>
+                          <m:sSupPr>
+                            <m:ctrlPr>
+                              <a:rPr lang="pl-PL" sz="1800" i="1" dirty="0" smtClean="0">
+                                <a:solidFill>
+                                  <a:schemeClr val="tx1"/>
+                                </a:solidFill>
+                                <a:latin typeface="Cambria Math" panose="02040503050406030204" pitchFamily="18" charset="0"/>
+                              </a:rPr>
+                            </m:ctrlPr>
+                          </m:sSupPr>
+                          <m:e>
+                            <m:r>
+                              <a:rPr lang="pl-PL" sz="1800" b="0" i="1" dirty="0" smtClean="0">
+                                <a:solidFill>
+                                  <a:schemeClr val="tx1"/>
+                                </a:solidFill>
+                                <a:latin typeface="Cambria Math" panose="02040503050406030204" pitchFamily="18" charset="0"/>
+                              </a:rPr>
+                              <m:t>𝑧</m:t>
+                            </m:r>
+                          </m:e>
+                          <m:sup>
+                            <m:r>
+                              <a:rPr lang="pl-PL" sz="1800" b="0" i="1" dirty="0" smtClean="0">
+                                <a:solidFill>
+                                  <a:schemeClr val="tx1"/>
+                                </a:solidFill>
+                                <a:latin typeface="Cambria Math" panose="02040503050406030204" pitchFamily="18" charset="0"/>
+                              </a:rPr>
+                              <m:t>2</m:t>
+                            </m:r>
+                          </m:sup>
+                        </m:sSup>
+                        <m:r>
+                          <a:rPr lang="pl-PL" sz="1800" b="0" i="1" dirty="0" smtClean="0">
+                            <a:solidFill>
+                              <a:schemeClr val="tx1"/>
+                            </a:solidFill>
+                            <a:latin typeface="Cambria Math" panose="02040503050406030204" pitchFamily="18" charset="0"/>
+                          </a:rPr>
+                          <m:t>+ </m:t>
+                        </m:r>
+                        <m:sSup>
+                          <m:sSupPr>
+                            <m:ctrlPr>
+                              <a:rPr lang="pl-PL" sz="1800" b="0" i="1" dirty="0" smtClean="0">
+                                <a:solidFill>
+                                  <a:schemeClr val="tx1"/>
+                                </a:solidFill>
+                                <a:latin typeface="Cambria Math" panose="02040503050406030204" pitchFamily="18" charset="0"/>
+                              </a:rPr>
+                            </m:ctrlPr>
+                          </m:sSupPr>
+                          <m:e>
+                            <m:r>
+                              <a:rPr lang="pl-PL" sz="1800" b="0" i="1" dirty="0" smtClean="0">
+                                <a:solidFill>
+                                  <a:schemeClr val="tx1"/>
+                                </a:solidFill>
+                                <a:latin typeface="Cambria Math" panose="02040503050406030204" pitchFamily="18" charset="0"/>
+                              </a:rPr>
+                              <m:t>𝑅</m:t>
+                            </m:r>
+                          </m:e>
+                          <m:sup>
+                            <m:r>
+                              <a:rPr lang="pl-PL" sz="1800" b="0" i="1" dirty="0" smtClean="0">
+                                <a:solidFill>
+                                  <a:schemeClr val="tx1"/>
+                                </a:solidFill>
+                                <a:latin typeface="Cambria Math" panose="02040503050406030204" pitchFamily="18" charset="0"/>
+                              </a:rPr>
+                              <m:t>2</m:t>
+                            </m:r>
+                          </m:sup>
+                        </m:sSup>
+                      </m:e>
+                    </m:rad>
+                    <m:r>
+                      <a:rPr lang="pl-PL" sz="1800" b="0" i="1" dirty="0" smtClean="0">
+                        <a:solidFill>
+                          <a:schemeClr val="tx1"/>
+                        </a:solidFill>
+                        <a:latin typeface="Cambria Math" panose="02040503050406030204" pitchFamily="18" charset="0"/>
+                      </a:rPr>
+                      <m:t> − </m:t>
+                    </m:r>
+                    <m:rad>
+                      <m:radPr>
+                        <m:degHide m:val="on"/>
+                        <m:ctrlPr>
+                          <a:rPr lang="pl-PL" sz="1800" b="0" i="1" dirty="0" smtClean="0">
+                            <a:solidFill>
+                              <a:schemeClr val="tx1"/>
+                            </a:solidFill>
+                            <a:latin typeface="Cambria Math" panose="02040503050406030204" pitchFamily="18" charset="0"/>
+                          </a:rPr>
+                        </m:ctrlPr>
+                      </m:radPr>
+                      <m:deg/>
+                      <m:e>
+                        <m:sSup>
+                          <m:sSupPr>
+                            <m:ctrlPr>
+                              <a:rPr lang="pl-PL" sz="1800" b="0" i="1" dirty="0" smtClean="0">
+                                <a:solidFill>
+                                  <a:schemeClr val="tx1"/>
+                                </a:solidFill>
+                                <a:latin typeface="Cambria Math" panose="02040503050406030204" pitchFamily="18" charset="0"/>
+                              </a:rPr>
+                            </m:ctrlPr>
+                          </m:sSupPr>
+                          <m:e>
+                            <m:r>
+                              <a:rPr lang="pl-PL" sz="1800" b="0" i="1" dirty="0" smtClean="0">
+                                <a:solidFill>
+                                  <a:schemeClr val="tx1"/>
+                                </a:solidFill>
+                                <a:latin typeface="Cambria Math" panose="02040503050406030204" pitchFamily="18" charset="0"/>
+                              </a:rPr>
+                              <m:t>𝑧</m:t>
+                            </m:r>
+                          </m:e>
+                          <m:sup>
+                            <m:r>
+                              <a:rPr lang="pl-PL" sz="1800" b="0" i="1" dirty="0" smtClean="0">
+                                <a:solidFill>
+                                  <a:schemeClr val="tx1"/>
+                                </a:solidFill>
+                                <a:latin typeface="Cambria Math" panose="02040503050406030204" pitchFamily="18" charset="0"/>
+                              </a:rPr>
+                              <m:t>2</m:t>
+                            </m:r>
+                          </m:sup>
+                        </m:sSup>
+                      </m:e>
+                    </m:rad>
+                  </m:oMath>
+                </a14:m>
+                <a:r>
+                  <a:rPr lang="pl-PL" sz="1800" dirty="0">
+                    <a:solidFill>
+                      <a:schemeClr val="tx1"/>
+                    </a:solidFill>
+                  </a:rPr>
+                  <a:t>)</a:t>
+                </a:r>
+                <a:endParaRPr sz="1800" dirty="0">
+                  <a:solidFill>
+                    <a:schemeClr val="lt2"/>
+                  </a:solidFill>
+                </a:endParaRPr>
+              </a:p>
+            </p:txBody>
+          </p:sp>
+        </mc:Choice>
+        <mc:Fallback>
+          <p:sp>
+            <p:nvSpPr>
+              <p:cNvPr id="97" name="Google Shape;97;p18"/>
+              <p:cNvSpPr txBox="1">
+                <a:spLocks noRot="1" noChangeAspect="1" noMove="1" noResize="1" noEditPoints="1" noAdjustHandles="1" noChangeArrowheads="1" noChangeShapeType="1" noTextEdit="1"/>
+              </p:cNvSpPr>
+              <p:nvPr/>
+            </p:nvSpPr>
+            <p:spPr>
+              <a:xfrm>
+                <a:off x="1297172" y="1142564"/>
+                <a:ext cx="3121374" cy="543364"/>
+              </a:xfrm>
+              <a:prstGeom prst="rect">
+                <a:avLst/>
+              </a:prstGeom>
+              <a:blipFill>
+                <a:blip r:embed="rId4"/>
+                <a:stretch>
+                  <a:fillRect r="-195"/>
+                </a:stretch>
+              </a:blipFill>
+              <a:ln>
+                <a:noFill/>
+              </a:ln>
+            </p:spPr>
+            <p:txBody>
+              <a:bodyPr/>
+              <a:lstStyle/>
+              <a:p>
+                <a:r>
+                  <a:rPr lang="pl-PL">
+                    <a:noFill/>
+                  </a:rPr>
+                  <a:t> </a:t>
+                </a:r>
+              </a:p>
+            </p:txBody>
+          </p:sp>
+        </mc:Fallback>
+      </mc:AlternateContent>
       <p:pic>
         <p:nvPicPr>
           <p:cNvPr id="98" name="Google Shape;98;p18"/>
@@ -9182,7 +9848,7 @@
           <p:nvPr/>
         </p:nvPicPr>
         <p:blipFill>
-          <a:blip r:embed="rId3">
+          <a:blip r:embed="rId5">
             <a:alphaModFix/>
           </a:blip>
           <a:stretch>
@@ -9243,167 +9909,172 @@
           </a:p>
         </p:txBody>
       </p:sp>
-      <p:sp>
-        <p:nvSpPr>
-          <p:cNvPr id="4" name="pole tekstowe 3">
-            <a:extLst>
-              <a:ext uri="{FF2B5EF4-FFF2-40B4-BE49-F238E27FC236}">
-                <a16:creationId xmlns:a16="http://schemas.microsoft.com/office/drawing/2014/main" id="{240746D2-AC11-813D-BD20-090472466694}"/>
-              </a:ext>
-            </a:extLst>
-          </p:cNvPr>
-          <p:cNvSpPr txBox="1"/>
-          <p:nvPr/>
-        </p:nvSpPr>
-        <p:spPr>
-          <a:xfrm>
-            <a:off x="1948486" y="2877144"/>
-            <a:ext cx="609300" cy="307777"/>
-          </a:xfrm>
-          <a:prstGeom prst="rect">
-            <a:avLst/>
-          </a:prstGeom>
-          <a:noFill/>
-        </p:spPr>
-        <p:txBody>
-          <a:bodyPr wrap="square">
-            <a:spAutoFit/>
-          </a:bodyPr>
-          <a:lstStyle/>
-          <a:p>
-            <a:r>
-              <a:rPr lang="pl" sz="1400" dirty="0">
-                <a:solidFill>
-                  <a:srgbClr val="F3F3F3"/>
-                </a:solidFill>
-              </a:rPr>
-              <a:t>Vp = </a:t>
-            </a:r>
-            <a:endParaRPr lang="pl-PL" dirty="0"/>
-          </a:p>
-        </p:txBody>
-      </p:sp>
-      <p:cxnSp>
-        <p:nvCxnSpPr>
-          <p:cNvPr id="6" name="Łącznik prosty 5">
-            <a:extLst>
-              <a:ext uri="{FF2B5EF4-FFF2-40B4-BE49-F238E27FC236}">
-                <a16:creationId xmlns:a16="http://schemas.microsoft.com/office/drawing/2014/main" id="{476A8AA2-4BC6-1A3C-E018-E7FD7E590801}"/>
-              </a:ext>
-            </a:extLst>
-          </p:cNvPr>
-          <p:cNvCxnSpPr>
-            <a:cxnSpLocks/>
-          </p:cNvCxnSpPr>
-          <p:nvPr/>
-        </p:nvCxnSpPr>
-        <p:spPr>
-          <a:xfrm flipV="1">
-            <a:off x="2504826" y="3026737"/>
-            <a:ext cx="524421" cy="4295"/>
-          </a:xfrm>
-          <a:prstGeom prst="line">
-            <a:avLst/>
-          </a:prstGeom>
-          <a:ln>
-            <a:solidFill>
-              <a:schemeClr val="tx1"/>
-            </a:solidFill>
-          </a:ln>
-        </p:spPr>
-        <p:style>
-          <a:lnRef idx="1">
-            <a:schemeClr val="accent1"/>
-          </a:lnRef>
-          <a:fillRef idx="0">
-            <a:schemeClr val="accent1"/>
-          </a:fillRef>
-          <a:effectRef idx="0">
-            <a:schemeClr val="accent1"/>
-          </a:effectRef>
-          <a:fontRef idx="minor">
-            <a:schemeClr val="tx1"/>
-          </a:fontRef>
-        </p:style>
-      </p:cxnSp>
-      <p:sp>
-        <p:nvSpPr>
-          <p:cNvPr id="7" name="pole tekstowe 6">
-            <a:extLst>
-              <a:ext uri="{FF2B5EF4-FFF2-40B4-BE49-F238E27FC236}">
-                <a16:creationId xmlns:a16="http://schemas.microsoft.com/office/drawing/2014/main" id="{325DCE8D-BF20-1C73-341C-01328D00F51F}"/>
-              </a:ext>
-            </a:extLst>
-          </p:cNvPr>
-          <p:cNvSpPr txBox="1"/>
-          <p:nvPr/>
-        </p:nvSpPr>
-        <p:spPr>
-          <a:xfrm>
-            <a:off x="2587459" y="2653632"/>
-            <a:ext cx="609300" cy="353943"/>
-          </a:xfrm>
-          <a:prstGeom prst="rect">
-            <a:avLst/>
-          </a:prstGeom>
-          <a:noFill/>
-        </p:spPr>
-        <p:txBody>
-          <a:bodyPr wrap="square" rtlCol="0">
-            <a:spAutoFit/>
-          </a:bodyPr>
-          <a:lstStyle/>
-          <a:p>
-            <a:r>
-              <a:rPr lang="pl-PL" sz="1700" dirty="0">
-                <a:solidFill>
-                  <a:srgbClr val="F3F3F3"/>
-                </a:solidFill>
-              </a:rPr>
-              <a:t>kq</a:t>
-            </a:r>
-          </a:p>
-        </p:txBody>
-      </p:sp>
-      <p:sp>
-        <p:nvSpPr>
-          <p:cNvPr id="10" name="pole tekstowe 9">
-            <a:extLst>
-              <a:ext uri="{FF2B5EF4-FFF2-40B4-BE49-F238E27FC236}">
-                <a16:creationId xmlns:a16="http://schemas.microsoft.com/office/drawing/2014/main" id="{CFA57E66-C43F-FA83-ED12-E00F029D6614}"/>
-              </a:ext>
-            </a:extLst>
-          </p:cNvPr>
-          <p:cNvSpPr txBox="1"/>
-          <p:nvPr/>
-        </p:nvSpPr>
-        <p:spPr>
-          <a:xfrm>
-            <a:off x="2645379" y="2994822"/>
-            <a:ext cx="609300" cy="353943"/>
-          </a:xfrm>
-          <a:prstGeom prst="rect">
-            <a:avLst/>
-          </a:prstGeom>
-          <a:noFill/>
-        </p:spPr>
-        <p:txBody>
-          <a:bodyPr wrap="square" rtlCol="0">
-            <a:spAutoFit/>
-          </a:bodyPr>
-          <a:lstStyle/>
-          <a:p>
-            <a:r>
-              <a:rPr lang="pl-PL" sz="1700" dirty="0">
-                <a:solidFill>
-                  <a:schemeClr val="tx1"/>
-                </a:solidFill>
-              </a:rPr>
-              <a:t>r</a:t>
-            </a:r>
-          </a:p>
-        </p:txBody>
-      </p:sp>
+      <mc:AlternateContent xmlns:mc="http://schemas.openxmlformats.org/markup-compatibility/2006">
+        <mc:Choice xmlns:a14="http://schemas.microsoft.com/office/drawing/2010/main" Requires="a14">
+          <p:sp>
+            <p:nvSpPr>
+              <p:cNvPr id="3" name="pole tekstowe 2">
+                <a:extLst>
+                  <a:ext uri="{FF2B5EF4-FFF2-40B4-BE49-F238E27FC236}">
+                    <a16:creationId xmlns:a16="http://schemas.microsoft.com/office/drawing/2014/main" id="{25065C29-7747-45C4-0688-37A2C41215E9}"/>
+                  </a:ext>
+                </a:extLst>
+              </p:cNvPr>
+              <p:cNvSpPr txBox="1"/>
+              <p:nvPr/>
+            </p:nvSpPr>
+            <p:spPr>
+              <a:xfrm>
+                <a:off x="2156950" y="2775460"/>
+                <a:ext cx="1220173" cy="524118"/>
+              </a:xfrm>
+              <a:prstGeom prst="rect">
+                <a:avLst/>
+              </a:prstGeom>
+              <a:noFill/>
+            </p:spPr>
+            <p:txBody>
+              <a:bodyPr wrap="square" lIns="0" tIns="0" rIns="0" bIns="0" rtlCol="0">
+                <a:spAutoFit/>
+              </a:bodyPr>
+              <a:lstStyle/>
+              <a:p>
+                <a14:m>
+                  <m:oMathPara xmlns:m="http://schemas.openxmlformats.org/officeDocument/2006/math">
+                    <m:oMathParaPr>
+                      <m:jc m:val="centerGroup"/>
+                    </m:oMathParaPr>
+                    <m:oMath xmlns:m="http://schemas.openxmlformats.org/officeDocument/2006/math">
+                      <m:sSub>
+                        <m:sSubPr>
+                          <m:ctrlPr>
+                            <a:rPr lang="pl-PL" sz="1800" i="1" smtClean="0">
+                              <a:solidFill>
+                                <a:schemeClr val="tx1"/>
+                              </a:solidFill>
+                              <a:latin typeface="Cambria Math" panose="02040503050406030204" pitchFamily="18" charset="0"/>
+                            </a:rPr>
+                          </m:ctrlPr>
+                        </m:sSubPr>
+                        <m:e>
+                          <m:r>
+                            <a:rPr lang="pl-PL" sz="1800" b="0" i="1" smtClean="0">
+                              <a:solidFill>
+                                <a:schemeClr val="tx1"/>
+                              </a:solidFill>
+                              <a:latin typeface="Cambria Math" panose="02040503050406030204" pitchFamily="18" charset="0"/>
+                            </a:rPr>
+                            <m:t>𝑉</m:t>
+                          </m:r>
+                        </m:e>
+                        <m:sub>
+                          <m:r>
+                            <a:rPr lang="pl-PL" sz="1800" b="0" i="1" smtClean="0">
+                              <a:solidFill>
+                                <a:schemeClr val="tx1"/>
+                              </a:solidFill>
+                              <a:latin typeface="Cambria Math" panose="02040503050406030204" pitchFamily="18" charset="0"/>
+                            </a:rPr>
+                            <m:t>𝑝</m:t>
+                          </m:r>
+                        </m:sub>
+                      </m:sSub>
+                      <m:r>
+                        <a:rPr lang="pl-PL" sz="1800" b="0" i="1" smtClean="0">
+                          <a:solidFill>
+                            <a:schemeClr val="tx1"/>
+                          </a:solidFill>
+                          <a:latin typeface="Cambria Math" panose="02040503050406030204" pitchFamily="18" charset="0"/>
+                        </a:rPr>
+                        <m:t>=  </m:t>
+                      </m:r>
+                      <m:f>
+                        <m:fPr>
+                          <m:ctrlPr>
+                            <a:rPr lang="pl-PL" sz="1800" b="0" i="1" smtClean="0">
+                              <a:solidFill>
+                                <a:schemeClr val="tx1"/>
+                              </a:solidFill>
+                              <a:latin typeface="Cambria Math" panose="02040503050406030204" pitchFamily="18" charset="0"/>
+                            </a:rPr>
+                          </m:ctrlPr>
+                        </m:fPr>
+                        <m:num>
+                          <m:r>
+                            <a:rPr lang="pl-PL" sz="1800" b="0" i="1" smtClean="0">
+                              <a:solidFill>
+                                <a:schemeClr val="tx1"/>
+                              </a:solidFill>
+                              <a:latin typeface="Cambria Math" panose="02040503050406030204" pitchFamily="18" charset="0"/>
+                            </a:rPr>
+                            <m:t>𝑘𝑞</m:t>
+                          </m:r>
+                        </m:num>
+                        <m:den>
+                          <m:r>
+                            <a:rPr lang="pl-PL" sz="1800" b="0" i="1" smtClean="0">
+                              <a:solidFill>
+                                <a:schemeClr val="tx1"/>
+                              </a:solidFill>
+                              <a:latin typeface="Cambria Math" panose="02040503050406030204" pitchFamily="18" charset="0"/>
+                            </a:rPr>
+                            <m:t>𝑟</m:t>
+                          </m:r>
+                        </m:den>
+                      </m:f>
+                    </m:oMath>
+                  </m:oMathPara>
+                </a14:m>
+                <a:endParaRPr lang="pl-PL" dirty="0"/>
+              </a:p>
+            </p:txBody>
+          </p:sp>
+        </mc:Choice>
+        <mc:Fallback>
+          <p:sp>
+            <p:nvSpPr>
+              <p:cNvPr id="3" name="pole tekstowe 2">
+                <a:extLst>
+                  <a:ext uri="{FF2B5EF4-FFF2-40B4-BE49-F238E27FC236}">
+                    <a16:creationId xmlns:a16="http://schemas.microsoft.com/office/drawing/2014/main" id="{25065C29-7747-45C4-0688-37A2C41215E9}"/>
+                  </a:ext>
+                </a:extLst>
+              </p:cNvPr>
+              <p:cNvSpPr txBox="1">
+                <a:spLocks noRot="1" noChangeAspect="1" noMove="1" noResize="1" noEditPoints="1" noAdjustHandles="1" noChangeArrowheads="1" noChangeShapeType="1" noTextEdit="1"/>
+              </p:cNvSpPr>
+              <p:nvPr/>
+            </p:nvSpPr>
+            <p:spPr>
+              <a:xfrm>
+                <a:off x="2156950" y="2775460"/>
+                <a:ext cx="1220173" cy="524118"/>
+              </a:xfrm>
+              <a:prstGeom prst="rect">
+                <a:avLst/>
+              </a:prstGeom>
+              <a:blipFill>
+                <a:blip r:embed="rId6"/>
+                <a:stretch>
+                  <a:fillRect/>
+                </a:stretch>
+              </a:blipFill>
+            </p:spPr>
+            <p:txBody>
+              <a:bodyPr/>
+              <a:lstStyle/>
+              <a:p>
+                <a:r>
+                  <a:rPr lang="pl-PL">
+                    <a:noFill/>
+                  </a:rPr>
+                  <a:t> </a:t>
+                </a:r>
+              </a:p>
+            </p:txBody>
+          </p:sp>
+        </mc:Fallback>
+      </mc:AlternateContent>
     </p:spTree>
   </p:cSld>
   <p:clrMapOvr>
@@ -9442,7 +10113,7 @@
         <p:spPr>
           <a:xfrm>
             <a:off x="221875" y="532200"/>
-            <a:ext cx="3100200" cy="3156900"/>
+            <a:ext cx="3297502" cy="4101840"/>
           </a:xfrm>
           <a:prstGeom prst="rect">
             <a:avLst/>
@@ -9450,7 +10121,7 @@
         </p:spPr>
         <p:txBody>
           <a:bodyPr spcFirstLastPara="1" wrap="square" lIns="91425" tIns="91425" rIns="91425" bIns="91425" anchor="t" anchorCtr="0">
-            <a:normAutofit lnSpcReduction="10000"/>
+            <a:normAutofit/>
           </a:bodyPr>
           <a:lstStyle/>
           <a:p>
@@ -9464,43 +10135,62 @@
               <a:buNone/>
             </a:pPr>
             <a:r>
-              <a:rPr lang="pl">
+              <a:rPr lang="pl" dirty="0">
                 <a:solidFill>
                   <a:srgbClr val="F3F3F3"/>
                 </a:solidFill>
               </a:rPr>
               <a:t>Na wykresie widać, że sumaryczne potencjały wraz z zwiększaniem odległości zbiegają się i przy odległości 20 m można uznać, że potencjał koła można przybliżyć wartością potencjału dla ładunku punktowego.</a:t>
             </a:r>
-            <a:endParaRPr/>
+            <a:endParaRPr dirty="0"/>
           </a:p>
         </p:txBody>
       </p:sp>
       <p:pic>
         <p:nvPicPr>
-          <p:cNvPr id="104" name="Google Shape;104;p19"/>
-          <p:cNvPicPr preferRelativeResize="0"/>
+          <p:cNvPr id="2050" name="Picture 2">
+            <a:extLst>
+              <a:ext uri="{FF2B5EF4-FFF2-40B4-BE49-F238E27FC236}">
+                <a16:creationId xmlns:a16="http://schemas.microsoft.com/office/drawing/2014/main" id="{F65E916E-6F5E-B48A-16FE-6C345CBD7765}"/>
+              </a:ext>
+            </a:extLst>
+          </p:cNvPr>
+          <p:cNvPicPr>
+            <a:picLocks noChangeAspect="1" noChangeArrowheads="1"/>
+          </p:cNvPicPr>
           <p:nvPr/>
         </p:nvPicPr>
         <p:blipFill>
           <a:blip r:embed="rId3">
-            <a:alphaModFix/>
+            <a:extLst>
+              <a:ext uri="{28A0092B-C50C-407E-A947-70E740481C1C}">
+                <a14:useLocalDpi xmlns:a14="http://schemas.microsoft.com/office/drawing/2010/main" val="0"/>
+              </a:ext>
+            </a:extLst>
           </a:blip>
+          <a:srcRect/>
           <a:stretch>
             <a:fillRect/>
           </a:stretch>
         </p:blipFill>
-        <p:spPr>
+        <p:spPr bwMode="auto">
           <a:xfrm>
-            <a:off x="3540148" y="493902"/>
-            <a:ext cx="5130250" cy="4155675"/>
+            <a:off x="3687282" y="520829"/>
+            <a:ext cx="5124610" cy="4101841"/>
           </a:xfrm>
           <a:prstGeom prst="rect">
             <a:avLst/>
           </a:prstGeom>
           <a:noFill/>
-          <a:ln>
-            <a:noFill/>
-          </a:ln>
+          <a:extLst>
+            <a:ext uri="{909E8E84-426E-40DD-AFC4-6F175D3DCCD1}">
+              <a14:hiddenFill xmlns:a14="http://schemas.microsoft.com/office/drawing/2010/main">
+                <a:solidFill>
+                  <a:srgbClr val="FFFFFF"/>
+                </a:solidFill>
+              </a14:hiddenFill>
+            </a:ext>
+          </a:extLst>
         </p:spPr>
       </p:pic>
     </p:spTree>

--- a/Pole elektryczne wokół naładowanego koła2.pptx
+++ b/Pole elektryczne wokół naładowanego koła2.pptx
@@ -7948,8 +7948,8 @@
           </a:p>
         </p:txBody>
       </p:sp>
-      <mc:AlternateContent xmlns:mc="http://schemas.openxmlformats.org/markup-compatibility/2006">
-        <mc:Choice xmlns:a14="http://schemas.microsoft.com/office/drawing/2010/main" Requires="a14">
+      <mc:AlternateContent xmlns:mc="http://schemas.openxmlformats.org/markup-compatibility/2006" xmlns:a14="http://schemas.microsoft.com/office/drawing/2010/main">
+        <mc:Choice Requires="a14">
           <p:sp>
             <p:nvSpPr>
               <p:cNvPr id="77" name="Google Shape;77;p16"/>
@@ -8321,7 +8321,7 @@
             </p:txBody>
           </p:sp>
         </mc:Choice>
-        <mc:Fallback>
+        <mc:Fallback xmlns="">
           <p:sp>
             <p:nvSpPr>
               <p:cNvPr id="77" name="Google Shape;77;p16"/>
@@ -8430,7 +8430,7 @@
             <p:spPr>
               <a:xfrm>
                 <a:off x="0" y="1220135"/>
-                <a:ext cx="9144000" cy="533992"/>
+                <a:ext cx="9144000" cy="674672"/>
               </a:xfrm>
               <a:prstGeom prst="rect">
                 <a:avLst/>
@@ -8444,76 +8444,91 @@
               <a:lstStyle/>
               <a:p>
                 <a:pPr algn="ctr"/>
-                <a:r>
-                  <a:rPr lang="pl-PL" sz="2000" dirty="0">
-                    <a:solidFill>
-                      <a:schemeClr val="tx1"/>
-                    </a:solidFill>
-                    <a:latin typeface="Cambria Math" panose="02040503050406030204" pitchFamily="18" charset="0"/>
-                    <a:ea typeface="Cambria Math" panose="02040503050406030204" pitchFamily="18" charset="0"/>
-                  </a:rPr>
-                  <a:t>V(r) </a:t>
-                </a:r>
                 <a14:m>
-                  <m:oMath xmlns:m="http://schemas.openxmlformats.org/officeDocument/2006/math">
-                    <m:r>
-                      <a:rPr lang="pl-PL" sz="2000" b="0" i="1" smtClean="0">
-                        <a:solidFill>
-                          <a:schemeClr val="tx1"/>
-                        </a:solidFill>
-                        <a:latin typeface="Cambria Math" panose="02040503050406030204" pitchFamily="18" charset="0"/>
-                        <a:ea typeface="Cambria Math" panose="02040503050406030204" pitchFamily="18" charset="0"/>
-                      </a:rPr>
-                      <m:t>= </m:t>
-                    </m:r>
-                    <m:r>
-                      <a:rPr lang="pl-PL" sz="2000" b="0" i="1" smtClean="0">
-                        <a:solidFill>
-                          <a:schemeClr val="tx1"/>
-                        </a:solidFill>
-                        <a:latin typeface="Cambria Math" panose="02040503050406030204" pitchFamily="18" charset="0"/>
-                        <a:ea typeface="Cambria Math" panose="02040503050406030204" pitchFamily="18" charset="0"/>
-                      </a:rPr>
-                      <m:t> </m:t>
-                    </m:r>
-                    <m:f>
-                      <m:fPr>
-                        <m:ctrlPr>
-                          <a:rPr lang="pl-PL" sz="2000" b="0" i="1" smtClean="0">
-                            <a:solidFill>
-                              <a:schemeClr val="tx1"/>
-                            </a:solidFill>
-                            <a:latin typeface="Cambria Math" panose="02040503050406030204" pitchFamily="18" charset="0"/>
-                            <a:ea typeface="Cambria Math" panose="02040503050406030204" pitchFamily="18" charset="0"/>
-                          </a:rPr>
-                        </m:ctrlPr>
-                      </m:fPr>
-                      <m:num>
-                        <m:r>
-                          <a:rPr lang="pl-PL" sz="2000" b="0" i="1" smtClean="0">
-                            <a:solidFill>
-                              <a:schemeClr val="tx1"/>
-                            </a:solidFill>
-                            <a:latin typeface="Cambria Math" panose="02040503050406030204" pitchFamily="18" charset="0"/>
-                            <a:ea typeface="Cambria Math" panose="02040503050406030204" pitchFamily="18" charset="0"/>
-                          </a:rPr>
-                          <m:t>𝑘𝑞</m:t>
-                        </m:r>
-                      </m:num>
-                      <m:den>
-                        <m:r>
-                          <a:rPr lang="pl-PL" sz="2000" b="0" i="1" smtClean="0">
-                            <a:solidFill>
-                              <a:schemeClr val="tx1"/>
-                            </a:solidFill>
-                            <a:latin typeface="Cambria Math" panose="02040503050406030204" pitchFamily="18" charset="0"/>
-                            <a:ea typeface="Cambria Math" panose="02040503050406030204" pitchFamily="18" charset="0"/>
-                          </a:rPr>
-                          <m:t>𝑟</m:t>
-                        </m:r>
-                      </m:den>
-                    </m:f>
-                  </m:oMath>
+                  <m:oMathPara xmlns:m="http://schemas.openxmlformats.org/officeDocument/2006/math">
+                    <m:oMathParaPr>
+                      <m:jc m:val="centerGroup"/>
+                    </m:oMathParaPr>
+                    <m:oMath xmlns:m="http://schemas.openxmlformats.org/officeDocument/2006/math">
+                      <m:r>
+                        <a:rPr lang="pl-PL" sz="2000" b="0" i="1" smtClean="0">
+                          <a:solidFill>
+                            <a:schemeClr val="tx1"/>
+                          </a:solidFill>
+                          <a:latin typeface="Cambria Math" panose="02040503050406030204" pitchFamily="18" charset="0"/>
+                          <a:ea typeface="Cambria Math" panose="02040503050406030204" pitchFamily="18" charset="0"/>
+                        </a:rPr>
+                        <m:t>𝑉</m:t>
+                      </m:r>
+                      <m:r>
+                        <a:rPr lang="pl-PL" sz="2000" b="0" i="1" smtClean="0">
+                          <a:solidFill>
+                            <a:schemeClr val="tx1"/>
+                          </a:solidFill>
+                          <a:latin typeface="Cambria Math" panose="02040503050406030204" pitchFamily="18" charset="0"/>
+                          <a:ea typeface="Cambria Math" panose="02040503050406030204" pitchFamily="18" charset="0"/>
+                        </a:rPr>
+                        <m:t>(</m:t>
+                      </m:r>
+                      <m:r>
+                        <a:rPr lang="pl-PL" sz="2000" b="0" i="1" smtClean="0">
+                          <a:solidFill>
+                            <a:schemeClr val="tx1"/>
+                          </a:solidFill>
+                          <a:latin typeface="Cambria Math" panose="02040503050406030204" pitchFamily="18" charset="0"/>
+                          <a:ea typeface="Cambria Math" panose="02040503050406030204" pitchFamily="18" charset="0"/>
+                        </a:rPr>
+                        <m:t>𝑟</m:t>
+                      </m:r>
+                      <m:r>
+                        <a:rPr lang="pl-PL" sz="2000" b="0" i="1" smtClean="0">
+                          <a:solidFill>
+                            <a:schemeClr val="tx1"/>
+                          </a:solidFill>
+                          <a:latin typeface="Cambria Math" panose="02040503050406030204" pitchFamily="18" charset="0"/>
+                          <a:ea typeface="Cambria Math" panose="02040503050406030204" pitchFamily="18" charset="0"/>
+                        </a:rPr>
+                        <m:t>)=  </m:t>
+                      </m:r>
+                      <m:f>
+                        <m:fPr>
+                          <m:ctrlPr>
+                            <a:rPr lang="pl-PL" sz="2000" b="0" i="1" smtClean="0">
+                              <a:solidFill>
+                                <a:schemeClr val="tx1"/>
+                              </a:solidFill>
+                              <a:latin typeface="Cambria Math" panose="02040503050406030204" pitchFamily="18" charset="0"/>
+                              <a:ea typeface="Cambria Math" panose="02040503050406030204" pitchFamily="18" charset="0"/>
+                            </a:rPr>
+                          </m:ctrlPr>
+                        </m:fPr>
+                        <m:num>
+                          <m:r>
+                            <a:rPr lang="pl-PL" sz="2000" b="0" i="1" smtClean="0">
+                              <a:solidFill>
+                                <a:schemeClr val="tx1"/>
+                              </a:solidFill>
+                              <a:latin typeface="Cambria Math" panose="02040503050406030204" pitchFamily="18" charset="0"/>
+                              <a:ea typeface="Cambria Math" panose="02040503050406030204" pitchFamily="18" charset="0"/>
+                            </a:rPr>
+                            <m:t>𝑘𝑞</m:t>
+                          </m:r>
+                        </m:num>
+                        <m:den>
+                          <m:r>
+                            <a:rPr lang="pl-PL" sz="2000" b="0" i="1" smtClean="0">
+                              <a:solidFill>
+                                <a:schemeClr val="tx1"/>
+                              </a:solidFill>
+                              <a:latin typeface="Cambria Math" panose="02040503050406030204" pitchFamily="18" charset="0"/>
+                              <a:ea typeface="Cambria Math" panose="02040503050406030204" pitchFamily="18" charset="0"/>
+                            </a:rPr>
+                            <m:t>𝑟</m:t>
+                          </m:r>
+                        </m:den>
+                      </m:f>
+                    </m:oMath>
+                  </m:oMathPara>
                 </a14:m>
                 <a:endParaRPr lang="pl-PL" dirty="0">
                   <a:latin typeface="Cambria Math" panose="02040503050406030204" pitchFamily="18" charset="0"/>
@@ -8541,7 +8556,7 @@
             <p:spPr>
               <a:xfrm>
                 <a:off x="0" y="1220135"/>
-                <a:ext cx="9144000" cy="533992"/>
+                <a:ext cx="9144000" cy="674672"/>
               </a:xfrm>
               <a:prstGeom prst="rect">
                 <a:avLst/>
@@ -8549,7 +8564,7 @@
               <a:blipFill>
                 <a:blip r:embed="rId4"/>
                 <a:stretch>
-                  <a:fillRect b="-5682"/>
+                  <a:fillRect/>
                 </a:stretch>
               </a:blipFill>
             </p:spPr>
@@ -8585,7 +8600,7 @@
             <p:spPr>
               <a:xfrm>
                 <a:off x="0" y="2571749"/>
-                <a:ext cx="9144000" cy="542264"/>
+                <a:ext cx="9144000" cy="674800"/>
               </a:xfrm>
               <a:prstGeom prst="rect">
                 <a:avLst/>
@@ -8599,101 +8614,103 @@
               <a:lstStyle/>
               <a:p>
                 <a:pPr algn="ctr"/>
-                <a:r>
-                  <a:rPr lang="pl-PL" sz="2000" dirty="0">
-                    <a:solidFill>
-                      <a:schemeClr val="tx1"/>
-                    </a:solidFill>
-                    <a:latin typeface="Cambria Math" panose="02040503050406030204" pitchFamily="18" charset="0"/>
-                    <a:ea typeface="Cambria Math" panose="02040503050406030204" pitchFamily="18" charset="0"/>
-                  </a:rPr>
-                  <a:t>E </a:t>
-                </a:r>
                 <a14:m>
-                  <m:oMath xmlns:m="http://schemas.openxmlformats.org/officeDocument/2006/math">
-                    <m:r>
-                      <a:rPr lang="pl-PL" sz="2000" b="0" i="0" smtClean="0">
-                        <a:solidFill>
-                          <a:schemeClr val="tx1"/>
-                        </a:solidFill>
-                        <a:latin typeface="Cambria Math" panose="02040503050406030204" pitchFamily="18" charset="0"/>
-                        <a:ea typeface="Cambria Math" panose="02040503050406030204" pitchFamily="18" charset="0"/>
-                      </a:rPr>
-                      <m:t>=  </m:t>
-                    </m:r>
-                    <m:f>
-                      <m:fPr>
-                        <m:ctrlPr>
-                          <a:rPr lang="pl-PL" sz="2000" b="0" smtClean="0">
-                            <a:solidFill>
-                              <a:schemeClr val="tx1"/>
-                            </a:solidFill>
-                            <a:latin typeface="Cambria Math" panose="02040503050406030204" pitchFamily="18" charset="0"/>
-                            <a:ea typeface="Cambria Math" panose="02040503050406030204" pitchFamily="18" charset="0"/>
-                          </a:rPr>
-                        </m:ctrlPr>
-                      </m:fPr>
-                      <m:num>
-                        <m:r>
-                          <m:rPr>
-                            <m:sty m:val="p"/>
-                          </m:rPr>
-                          <a:rPr lang="pl-PL" sz="2000" b="0" i="0" smtClean="0">
-                            <a:solidFill>
-                              <a:schemeClr val="tx1"/>
-                            </a:solidFill>
-                            <a:latin typeface="Cambria Math" panose="02040503050406030204" pitchFamily="18" charset="0"/>
-                            <a:ea typeface="Cambria Math" panose="02040503050406030204" pitchFamily="18" charset="0"/>
-                          </a:rPr>
-                          <m:t>kq</m:t>
-                        </m:r>
-                      </m:num>
-                      <m:den>
-                        <m:sSup>
-                          <m:sSupPr>
-                            <m:ctrlPr>
-                              <a:rPr lang="pl-PL" sz="2000" b="0" smtClean="0">
-                                <a:solidFill>
-                                  <a:schemeClr val="tx1"/>
-                                </a:solidFill>
-                                <a:latin typeface="Cambria Math" panose="02040503050406030204" pitchFamily="18" charset="0"/>
-                                <a:ea typeface="Cambria Math" panose="02040503050406030204" pitchFamily="18" charset="0"/>
-                              </a:rPr>
-                            </m:ctrlPr>
-                          </m:sSupPr>
-                          <m:e>
-                            <m:r>
-                              <m:rPr>
-                                <m:sty m:val="p"/>
-                              </m:rPr>
-                              <a:rPr lang="pl-PL" sz="2000" b="0" i="0" smtClean="0">
-                                <a:solidFill>
-                                  <a:schemeClr val="tx1"/>
-                                </a:solidFill>
-                                <a:latin typeface="Cambria Math" panose="02040503050406030204" pitchFamily="18" charset="0"/>
-                                <a:ea typeface="Cambria Math" panose="02040503050406030204" pitchFamily="18" charset="0"/>
-                              </a:rPr>
-                              <m:t>r</m:t>
-                            </m:r>
-                          </m:e>
-                          <m:sup>
-                            <m:r>
-                              <a:rPr lang="pl-PL" sz="2000" b="0" i="0" smtClean="0">
-                                <a:solidFill>
-                                  <a:schemeClr val="tx1"/>
-                                </a:solidFill>
-                                <a:latin typeface="Cambria Math" panose="02040503050406030204" pitchFamily="18" charset="0"/>
-                                <a:ea typeface="Cambria Math" panose="02040503050406030204" pitchFamily="18" charset="0"/>
-                              </a:rPr>
-                              <m:t>2</m:t>
-                            </m:r>
-                          </m:sup>
-                        </m:sSup>
-                      </m:den>
-                    </m:f>
-                  </m:oMath>
+                  <m:oMathPara xmlns:m="http://schemas.openxmlformats.org/officeDocument/2006/math">
+                    <m:oMathParaPr>
+                      <m:jc m:val="centerGroup"/>
+                    </m:oMathParaPr>
+                    <m:oMath xmlns:m="http://schemas.openxmlformats.org/officeDocument/2006/math">
+                      <m:r>
+                        <m:rPr>
+                          <m:sty m:val="p"/>
+                        </m:rPr>
+                        <a:rPr lang="pl-PL" sz="2000" b="0" i="0" smtClean="0">
+                          <a:solidFill>
+                            <a:schemeClr val="tx1"/>
+                          </a:solidFill>
+                          <a:latin typeface="Cambria Math" panose="02040503050406030204" pitchFamily="18" charset="0"/>
+                          <a:ea typeface="Cambria Math" panose="02040503050406030204" pitchFamily="18" charset="0"/>
+                        </a:rPr>
+                        <m:t>E</m:t>
+                      </m:r>
+                      <m:r>
+                        <a:rPr lang="pl-PL" sz="2000" b="0" i="0" smtClean="0">
+                          <a:solidFill>
+                            <a:schemeClr val="tx1"/>
+                          </a:solidFill>
+                          <a:latin typeface="Cambria Math" panose="02040503050406030204" pitchFamily="18" charset="0"/>
+                          <a:ea typeface="Cambria Math" panose="02040503050406030204" pitchFamily="18" charset="0"/>
+                        </a:rPr>
+                        <m:t>=  </m:t>
+                      </m:r>
+                      <m:f>
+                        <m:fPr>
+                          <m:ctrlPr>
+                            <a:rPr lang="pl-PL" sz="2000" b="0" i="1" smtClean="0">
+                              <a:solidFill>
+                                <a:schemeClr val="tx1"/>
+                              </a:solidFill>
+                              <a:latin typeface="Cambria Math" panose="02040503050406030204" pitchFamily="18" charset="0"/>
+                              <a:ea typeface="Cambria Math" panose="02040503050406030204" pitchFamily="18" charset="0"/>
+                            </a:rPr>
+                          </m:ctrlPr>
+                        </m:fPr>
+                        <m:num>
+                          <m:r>
+                            <a:rPr lang="pl-PL" sz="2000" b="0" i="1" smtClean="0">
+                              <a:solidFill>
+                                <a:schemeClr val="tx1"/>
+                              </a:solidFill>
+                              <a:latin typeface="Cambria Math" panose="02040503050406030204" pitchFamily="18" charset="0"/>
+                              <a:ea typeface="Cambria Math" panose="02040503050406030204" pitchFamily="18" charset="0"/>
+                            </a:rPr>
+                            <m:t>𝑘𝑞</m:t>
+                          </m:r>
+                        </m:num>
+                        <m:den>
+                          <m:sSup>
+                            <m:sSupPr>
+                              <m:ctrlPr>
+                                <a:rPr lang="pl-PL" sz="2000" b="0" i="1" smtClean="0">
+                                  <a:solidFill>
+                                    <a:schemeClr val="tx1"/>
+                                  </a:solidFill>
+                                  <a:latin typeface="Cambria Math" panose="02040503050406030204" pitchFamily="18" charset="0"/>
+                                  <a:ea typeface="Cambria Math" panose="02040503050406030204" pitchFamily="18" charset="0"/>
+                                </a:rPr>
+                              </m:ctrlPr>
+                            </m:sSupPr>
+                            <m:e>
+                              <m:r>
+                                <a:rPr lang="pl-PL" sz="2000" b="0" i="1" smtClean="0">
+                                  <a:solidFill>
+                                    <a:schemeClr val="tx1"/>
+                                  </a:solidFill>
+                                  <a:latin typeface="Cambria Math" panose="02040503050406030204" pitchFamily="18" charset="0"/>
+                                  <a:ea typeface="Cambria Math" panose="02040503050406030204" pitchFamily="18" charset="0"/>
+                                </a:rPr>
+                                <m:t>𝑟</m:t>
+                              </m:r>
+                            </m:e>
+                            <m:sup>
+                              <m:r>
+                                <a:rPr lang="pl-PL" sz="2000" b="0" i="1" smtClean="0">
+                                  <a:solidFill>
+                                    <a:schemeClr val="tx1"/>
+                                  </a:solidFill>
+                                  <a:latin typeface="Cambria Math" panose="02040503050406030204" pitchFamily="18" charset="0"/>
+                                  <a:ea typeface="Cambria Math" panose="02040503050406030204" pitchFamily="18" charset="0"/>
+                                </a:rPr>
+                                <m:t>2</m:t>
+                              </m:r>
+                            </m:sup>
+                          </m:sSup>
+                        </m:den>
+                      </m:f>
+                    </m:oMath>
+                  </m:oMathPara>
                 </a14:m>
-                <a:endParaRPr lang="pl-PL" sz="2000" dirty="0">
+                <a:endParaRPr lang="pl-PL" sz="2000" i="1" dirty="0">
                   <a:latin typeface="Cambria Math" panose="02040503050406030204" pitchFamily="18" charset="0"/>
                   <a:ea typeface="Cambria Math" panose="02040503050406030204" pitchFamily="18" charset="0"/>
                 </a:endParaRPr>
@@ -8719,7 +8736,7 @@
             <p:spPr>
               <a:xfrm>
                 <a:off x="0" y="2571749"/>
-                <a:ext cx="9144000" cy="542264"/>
+                <a:ext cx="9144000" cy="674800"/>
               </a:xfrm>
               <a:prstGeom prst="rect">
                 <a:avLst/>
@@ -8727,7 +8744,7 @@
               <a:blipFill>
                 <a:blip r:embed="rId5"/>
                 <a:stretch>
-                  <a:fillRect b="-5618"/>
+                  <a:fillRect/>
                 </a:stretch>
               </a:blipFill>
             </p:spPr>
@@ -9077,10 +9094,49 @@
                       <a:srgbClr val="F3F3F3"/>
                     </a:solidFill>
                   </a:rPr>
-                  <a:t>promień - r = 9 </a:t>
+                  <a:t>promień - </a:t>
                 </a:r>
                 <a14:m>
                   <m:oMath xmlns:m="http://schemas.openxmlformats.org/officeDocument/2006/math">
+                    <m:r>
+                      <m:rPr>
+                        <m:sty m:val="p"/>
+                      </m:rPr>
+                      <a:rPr lang="pl-PL" sz="1800" b="0" i="0" dirty="0" smtClean="0">
+                        <a:solidFill>
+                          <a:srgbClr val="F3F3F3"/>
+                        </a:solidFill>
+                        <a:latin typeface="Cambria Math" panose="02040503050406030204" pitchFamily="18" charset="0"/>
+                      </a:rPr>
+                      <m:t>r</m:t>
+                    </m:r>
+                    <m:r>
+                      <a:rPr lang="pl-PL" sz="1800" b="0" i="0" dirty="0" smtClean="0">
+                        <a:solidFill>
+                          <a:srgbClr val="F3F3F3"/>
+                        </a:solidFill>
+                        <a:latin typeface="Cambria Math" panose="02040503050406030204" pitchFamily="18" charset="0"/>
+                      </a:rPr>
+                      <m:t>= </m:t>
+                    </m:r>
+                    <m:r>
+                      <a:rPr lang="pl-PL" sz="1800" b="0" i="0" dirty="0" smtClean="0">
+                        <a:solidFill>
+                          <a:srgbClr val="F3F3F3"/>
+                        </a:solidFill>
+                        <a:latin typeface="Cambria Math" panose="02040503050406030204" pitchFamily="18" charset="0"/>
+                      </a:rPr>
+                      <m:t>9</m:t>
+                    </m:r>
+                    <m:r>
+                      <a:rPr lang="pl-PL" sz="1800" b="0" i="0" dirty="0" smtClean="0">
+                        <a:solidFill>
+                          <a:srgbClr val="F3F3F3"/>
+                        </a:solidFill>
+                        <a:latin typeface="Cambria Math" panose="02040503050406030204" pitchFamily="18" charset="0"/>
+                      </a:rPr>
+                      <m:t> </m:t>
+                    </m:r>
                     <m:r>
                       <a:rPr lang="pl-PL" sz="1800" b="0" i="1" dirty="0" smtClean="0">
                         <a:solidFill>
@@ -9106,14 +9162,35 @@
                       <a:srgbClr val="F3F3F3"/>
                     </a:solidFill>
                   </a:rPr>
-                  <a:t>całkowity ładunek koła - Q = </a:t>
+                  <a:t>całkowity ładunek koła - </a:t>
                 </a:r>
                 <a14:m>
                   <m:oMath xmlns:m="http://schemas.openxmlformats.org/officeDocument/2006/math">
+                    <m:r>
+                      <m:rPr>
+                        <m:sty m:val="p"/>
+                      </m:rPr>
+                      <a:rPr lang="pl-PL" sz="1800" b="0" i="0" smtClean="0">
+                        <a:solidFill>
+                          <a:srgbClr val="F3F3F3"/>
+                        </a:solidFill>
+                        <a:latin typeface="Cambria Math" panose="02040503050406030204" pitchFamily="18" charset="0"/>
+                      </a:rPr>
+                      <m:t>Q</m:t>
+                    </m:r>
+                    <m:r>
+                      <a:rPr lang="pl-PL" sz="1800" b="0" i="0" smtClean="0">
+                        <a:solidFill>
+                          <a:srgbClr val="F3F3F3"/>
+                        </a:solidFill>
+                        <a:latin typeface="Cambria Math" panose="02040503050406030204" pitchFamily="18" charset="0"/>
+                      </a:rPr>
+                      <m:t>=</m:t>
+                    </m:r>
                     <m:sSup>
                       <m:sSupPr>
                         <m:ctrlPr>
-                          <a:rPr lang="ar-AE" sz="1800" i="1">
+                          <a:rPr lang="ar-AE" sz="1800" i="1" smtClean="0">
                             <a:solidFill>
                               <a:srgbClr val="F3F3F3"/>
                             </a:solidFill>
@@ -9368,8 +9445,8 @@
           </a:p>
         </p:txBody>
       </p:sp>
-      <mc:AlternateContent xmlns:mc="http://schemas.openxmlformats.org/markup-compatibility/2006">
-        <mc:Choice xmlns:a14="http://schemas.microsoft.com/office/drawing/2010/main" Requires="a14">
+      <mc:AlternateContent xmlns:mc="http://schemas.openxmlformats.org/markup-compatibility/2006" xmlns:a14="http://schemas.microsoft.com/office/drawing/2010/main">
+        <mc:Choice Requires="a14">
           <p:sp>
             <p:nvSpPr>
               <p:cNvPr id="96" name="Google Shape;96;p18"/>
@@ -9470,7 +9547,7 @@
             </p:txBody>
           </p:sp>
         </mc:Choice>
-        <mc:Fallback>
+        <mc:Fallback xmlns="">
           <p:sp>
             <p:nvSpPr>
               <p:cNvPr id="96" name="Google Shape;96;p18"/>
@@ -9512,8 +9589,8 @@
           </p:sp>
         </mc:Fallback>
       </mc:AlternateContent>
-      <mc:AlternateContent xmlns:mc="http://schemas.openxmlformats.org/markup-compatibility/2006">
-        <mc:Choice xmlns:a14="http://schemas.microsoft.com/office/drawing/2010/main" Requires="a14">
+      <mc:AlternateContent xmlns:mc="http://schemas.openxmlformats.org/markup-compatibility/2006" xmlns:a14="http://schemas.microsoft.com/office/drawing/2010/main">
+        <mc:Choice Requires="a14">
           <p:sp>
             <p:nvSpPr>
               <p:cNvPr id="97" name="Google Shape;97;p18"/>
@@ -9799,7 +9876,7 @@
             </p:txBody>
           </p:sp>
         </mc:Choice>
-        <mc:Fallback>
+        <mc:Fallback xmlns="">
           <p:sp>
             <p:nvSpPr>
               <p:cNvPr id="97" name="Google Shape;97;p18"/>
@@ -9909,8 +9986,8 @@
           </a:p>
         </p:txBody>
       </p:sp>
-      <mc:AlternateContent xmlns:mc="http://schemas.openxmlformats.org/markup-compatibility/2006">
-        <mc:Choice xmlns:a14="http://schemas.microsoft.com/office/drawing/2010/main" Requires="a14">
+      <mc:AlternateContent xmlns:mc="http://schemas.openxmlformats.org/markup-compatibility/2006" xmlns:a14="http://schemas.microsoft.com/office/drawing/2010/main">
+        <mc:Choice Requires="a14">
           <p:sp>
             <p:nvSpPr>
               <p:cNvPr id="3" name="pole tekstowe 2">
@@ -9939,6 +10016,7 @@
               </a:bodyPr>
               <a:lstStyle/>
               <a:p>
+                <a:pPr/>
                 <a14:m>
                   <m:oMathPara xmlns:m="http://schemas.openxmlformats.org/officeDocument/2006/math">
                     <m:oMathParaPr>
@@ -10030,7 +10108,7 @@
             </p:txBody>
           </p:sp>
         </mc:Choice>
-        <mc:Fallback>
+        <mc:Fallback xmlns="">
           <p:sp>
             <p:nvSpPr>
               <p:cNvPr id="3" name="pole tekstowe 2">
